--- a/Cycle2DOC/CycleTwoPresentation.pptx
+++ b/Cycle2DOC/CycleTwoPresentation.pptx
@@ -3792,10 +3792,24 @@
           <a:bodyPr/>
           <a:lstStyle/>
           <a:p>
-            <a:pPr lvl="1"/>
+            <a:pPr marL="457200" lvl="1" indent="0">
+              <a:buNone/>
+            </a:pPr>
             <a:r>
               <a:rPr lang="en-US" dirty="0"/>
-              <a:t>implement/test/review </a:t>
+              <a:t>I</a:t>
+            </a:r>
+            <a:r>
+              <a:rPr lang="en-US" dirty="0" smtClean="0"/>
+              <a:t>mplement/</a:t>
+            </a:r>
+            <a:r>
+              <a:rPr lang="en-US" dirty="0" smtClean="0"/>
+              <a:t>Te</a:t>
+            </a:r>
+            <a:r>
+              <a:rPr lang="en-US" dirty="0" smtClean="0"/>
+              <a:t>st/Review </a:t>
             </a:r>
             <a:r>
               <a:rPr lang="en-US" dirty="0" smtClean="0"/>
@@ -3910,24 +3924,38 @@
           <a:lstStyle/>
           <a:p>
             <a:r>
-              <a:rPr lang="en-US" dirty="0" smtClean="0"/>
-              <a:t>Maybe not a lesson, but we learned new programming techniques/languages</a:t>
+              <a:rPr lang="en-US" dirty="0" err="1" smtClean="0"/>
+              <a:t>Php</a:t>
+            </a:r>
+            <a:r>
+              <a:rPr lang="en-US" dirty="0" smtClean="0"/>
+              <a:t> implementation techniques</a:t>
+            </a:r>
+          </a:p>
+          <a:p>
+            <a:r>
+              <a:rPr lang="en-US" dirty="0" smtClean="0"/>
+              <a:t>Stick to the original cycle plan.</a:t>
             </a:r>
           </a:p>
           <a:p>
             <a:pPr lvl="1"/>
             <a:r>
               <a:rPr lang="en-US" dirty="0" smtClean="0"/>
-              <a:t>A lot of </a:t>
-            </a:r>
-            <a:r>
-              <a:rPr lang="en-US" dirty="0" err="1" smtClean="0"/>
-              <a:t>php</a:t>
-            </a:r>
-            <a:r>
-              <a:rPr lang="en-US" dirty="0" smtClean="0"/>
-              <a:t> was needed for the backend and we all contributed</a:t>
-            </a:r>
+              <a:t>If our cycle </a:t>
+            </a:r>
+            <a:r>
+              <a:rPr lang="en-US" smtClean="0"/>
+              <a:t>plan changes</a:t>
+            </a:r>
+            <a:r>
+              <a:rPr lang="en-US" smtClean="0"/>
+              <a:t> document it</a:t>
+            </a:r>
+            <a:endParaRPr lang="en-US" dirty="0" smtClean="0"/>
+          </a:p>
+          <a:p>
+            <a:endParaRPr lang="en-US" dirty="0" smtClean="0"/>
           </a:p>
         </p:txBody>
       </p:sp>
@@ -4169,12 +4197,8 @@
           </a:p>
           <a:p>
             <a:r>
-              <a:rPr lang="en-US" smtClean="0"/>
-              <a:t>Additional </a:t>
-            </a:r>
-            <a:r>
-              <a:rPr lang="en-US" dirty="0" smtClean="0"/>
-              <a:t>Form Features</a:t>
+              <a:rPr lang="en-US" dirty="0" smtClean="0"/>
+              <a:t>Additional Form Features</a:t>
             </a:r>
           </a:p>
           <a:p>
@@ -4621,7 +4645,7 @@
                 <a:ea typeface="Arial"/>
                 <a:cs typeface="Arial"/>
               </a:rPr>
-              <a:t>In progress</a:t>
+              <a:t>done</a:t>
             </a:r>
             <a:endParaRPr lang="en-US" dirty="0"/>
           </a:p>
@@ -4768,7 +4792,15 @@
           <a:p>
             <a:r>
               <a:rPr lang="en-US" dirty="0" smtClean="0"/>
-              <a:t>Cycle 1 Progress</a:t>
+              <a:t>Cycle </a:t>
+            </a:r>
+            <a:r>
+              <a:rPr lang="en-US" dirty="0" smtClean="0"/>
+              <a:t>2 </a:t>
+            </a:r>
+            <a:r>
+              <a:rPr lang="en-US" dirty="0" smtClean="0"/>
+              <a:t>Progress</a:t>
             </a:r>
             <a:endParaRPr lang="en-US" dirty="0"/>
           </a:p>
@@ -4838,7 +4870,22 @@
             <a:pPr lvl="1"/>
             <a:r>
               <a:rPr lang="en-US" dirty="0" smtClean="0"/>
-              <a:t>completed</a:t>
+              <a:t>Completed</a:t>
+            </a:r>
+            <a:endParaRPr lang="en-US" dirty="0" smtClean="0"/>
+          </a:p>
+          <a:p>
+            <a:r>
+              <a:rPr lang="en-US" dirty="0" smtClean="0"/>
+              <a:t>Create New Reservations</a:t>
+            </a:r>
+            <a:endParaRPr lang="en-US" dirty="0" smtClean="0"/>
+          </a:p>
+          <a:p>
+            <a:pPr lvl="1"/>
+            <a:r>
+              <a:rPr lang="en-US" dirty="0" smtClean="0"/>
+              <a:t>Completed</a:t>
             </a:r>
             <a:endParaRPr lang="en-US" dirty="0"/>
           </a:p>
@@ -4915,7 +4962,9 @@
         </p:nvSpPr>
         <p:spPr/>
         <p:txBody>
-          <a:bodyPr/>
+          <a:bodyPr>
+            <a:normAutofit/>
+          </a:bodyPr>
           <a:lstStyle/>
           <a:p>
             <a:r>
@@ -4926,18 +4975,20 @@
               <a:rPr lang="en-US" dirty="0" smtClean="0"/>
               <a:t>Communication</a:t>
             </a:r>
+            <a:endParaRPr lang="en-US" dirty="0"/>
+          </a:p>
+          <a:p>
+            <a:r>
+              <a:rPr lang="en-US" dirty="0" smtClean="0"/>
+              <a:t>Sporadic  communication leads to sporadic design changes.</a:t>
+            </a:r>
           </a:p>
           <a:p>
             <a:pPr lvl="1"/>
             <a:r>
               <a:rPr lang="en-US" dirty="0" smtClean="0"/>
-              <a:t>We are open to </a:t>
-            </a:r>
-            <a:r>
-              <a:rPr lang="en-US" smtClean="0"/>
-              <a:t>any advice</a:t>
-            </a:r>
-            <a:endParaRPr lang="en-US" dirty="0" smtClean="0"/>
+              <a:t>This unfortunately changes our cycle focus</a:t>
+            </a:r>
           </a:p>
           <a:p>
             <a:r>
@@ -5023,7 +5074,7 @@
           <a:p>
             <a:r>
               <a:rPr lang="en-US" dirty="0" smtClean="0"/>
-              <a:t>Design Description:</a:t>
+              <a:t>Reservation Form</a:t>
             </a:r>
             <a:endParaRPr lang="en-US" dirty="0"/>
           </a:p>
@@ -5141,9 +5192,10 @@
           <a:lstStyle/>
           <a:p>
             <a:r>
-              <a:rPr lang="en-US" dirty="0"/>
-              <a:t>Design Description:</a:t>
-            </a:r>
+              <a:rPr lang="en-US" dirty="0" smtClean="0"/>
+              <a:t>Reservation Form</a:t>
+            </a:r>
+            <a:endParaRPr lang="en-US" dirty="0"/>
           </a:p>
         </p:txBody>
       </p:sp>
@@ -5171,15 +5223,7 @@
             </a:r>
             <a:r>
               <a:rPr lang="en-US" dirty="0" smtClean="0"/>
-              <a:t>Insertion Form Button </a:t>
-            </a:r>
-            <a:r>
-              <a:rPr lang="en-US" dirty="0" err="1" smtClean="0"/>
-              <a:t>Fuctionality</a:t>
-            </a:r>
-            <a:r>
-              <a:rPr lang="en-US" dirty="0" smtClean="0"/>
-              <a:t>:</a:t>
+              <a:t>Insertion Form Button Functionality:</a:t>
             </a:r>
           </a:p>
           <a:p>

--- a/Cycle2DOC/CycleTwoPresentation.pptx
+++ b/Cycle2DOC/CycleTwoPresentation.pptx
@@ -5,7 +5,7 @@
     <p:sldMasterId id="2147483648" r:id="rId1"/>
   </p:sldMasterIdLst>
   <p:notesMasterIdLst>
-    <p:notesMasterId r:id="rId16"/>
+    <p:notesMasterId r:id="rId17"/>
   </p:notesMasterIdLst>
   <p:sldIdLst>
     <p:sldId id="256" r:id="rId2"/>
@@ -19,9 +19,10 @@
     <p:sldId id="274" r:id="rId10"/>
     <p:sldId id="270" r:id="rId11"/>
     <p:sldId id="273" r:id="rId12"/>
-    <p:sldId id="268" r:id="rId13"/>
-    <p:sldId id="269" r:id="rId14"/>
-    <p:sldId id="271" r:id="rId15"/>
+    <p:sldId id="277" r:id="rId13"/>
+    <p:sldId id="268" r:id="rId14"/>
+    <p:sldId id="269" r:id="rId15"/>
+    <p:sldId id="271" r:id="rId16"/>
   </p:sldIdLst>
   <p:sldSz cx="9144000" cy="6858000" type="screen4x3"/>
   <p:notesSz cx="6858000" cy="9144000"/>
@@ -205,7 +206,7 @@
           <a:p>
             <a:fld id="{BF45BBC9-F400-9046-AF14-34C9608709B0}" type="datetimeFigureOut">
               <a:rPr lang="en-US" smtClean="0"/>
-              <a:t>10/28/15</a:t>
+              <a:t>11/1/15</a:t>
             </a:fld>
             <a:endParaRPr lang="en-US"/>
           </a:p>
@@ -654,7 +655,7 @@
           <a:p>
             <a:fld id="{CDA55791-C2D1-764D-BBBD-B74F41DCF41D}" type="datetimeFigureOut">
               <a:rPr lang="en-US" smtClean="0"/>
-              <a:t>10/28/15</a:t>
+              <a:t>11/1/15</a:t>
             </a:fld>
             <a:endParaRPr lang="en-US"/>
           </a:p>
@@ -824,7 +825,7 @@
           <a:p>
             <a:fld id="{CDA55791-C2D1-764D-BBBD-B74F41DCF41D}" type="datetimeFigureOut">
               <a:rPr lang="en-US" smtClean="0"/>
-              <a:t>10/28/15</a:t>
+              <a:t>11/1/15</a:t>
             </a:fld>
             <a:endParaRPr lang="en-US"/>
           </a:p>
@@ -1004,7 +1005,7 @@
           <a:p>
             <a:fld id="{CDA55791-C2D1-764D-BBBD-B74F41DCF41D}" type="datetimeFigureOut">
               <a:rPr lang="en-US" smtClean="0"/>
-              <a:t>10/28/15</a:t>
+              <a:t>11/1/15</a:t>
             </a:fld>
             <a:endParaRPr lang="en-US"/>
           </a:p>
@@ -1174,7 +1175,7 @@
           <a:p>
             <a:fld id="{CDA55791-C2D1-764D-BBBD-B74F41DCF41D}" type="datetimeFigureOut">
               <a:rPr lang="en-US" smtClean="0"/>
-              <a:t>10/28/15</a:t>
+              <a:t>11/1/15</a:t>
             </a:fld>
             <a:endParaRPr lang="en-US"/>
           </a:p>
@@ -1420,7 +1421,7 @@
           <a:p>
             <a:fld id="{CDA55791-C2D1-764D-BBBD-B74F41DCF41D}" type="datetimeFigureOut">
               <a:rPr lang="en-US" smtClean="0"/>
-              <a:t>10/28/15</a:t>
+              <a:t>11/1/15</a:t>
             </a:fld>
             <a:endParaRPr lang="en-US"/>
           </a:p>
@@ -1708,7 +1709,7 @@
           <a:p>
             <a:fld id="{CDA55791-C2D1-764D-BBBD-B74F41DCF41D}" type="datetimeFigureOut">
               <a:rPr lang="en-US" smtClean="0"/>
-              <a:t>10/28/15</a:t>
+              <a:t>11/1/15</a:t>
             </a:fld>
             <a:endParaRPr lang="en-US"/>
           </a:p>
@@ -2130,7 +2131,7 @@
           <a:p>
             <a:fld id="{CDA55791-C2D1-764D-BBBD-B74F41DCF41D}" type="datetimeFigureOut">
               <a:rPr lang="en-US" smtClean="0"/>
-              <a:t>10/28/15</a:t>
+              <a:t>11/1/15</a:t>
             </a:fld>
             <a:endParaRPr lang="en-US"/>
           </a:p>
@@ -2248,7 +2249,7 @@
           <a:p>
             <a:fld id="{CDA55791-C2D1-764D-BBBD-B74F41DCF41D}" type="datetimeFigureOut">
               <a:rPr lang="en-US" smtClean="0"/>
-              <a:t>10/28/15</a:t>
+              <a:t>11/1/15</a:t>
             </a:fld>
             <a:endParaRPr lang="en-US"/>
           </a:p>
@@ -2343,7 +2344,7 @@
           <a:p>
             <a:fld id="{CDA55791-C2D1-764D-BBBD-B74F41DCF41D}" type="datetimeFigureOut">
               <a:rPr lang="en-US" smtClean="0"/>
-              <a:t>10/28/15</a:t>
+              <a:t>11/1/15</a:t>
             </a:fld>
             <a:endParaRPr lang="en-US"/>
           </a:p>
@@ -2620,7 +2621,7 @@
           <a:p>
             <a:fld id="{CDA55791-C2D1-764D-BBBD-B74F41DCF41D}" type="datetimeFigureOut">
               <a:rPr lang="en-US" smtClean="0"/>
-              <a:t>10/28/15</a:t>
+              <a:t>11/1/15</a:t>
             </a:fld>
             <a:endParaRPr lang="en-US"/>
           </a:p>
@@ -2873,7 +2874,7 @@
           <a:p>
             <a:fld id="{CDA55791-C2D1-764D-BBBD-B74F41DCF41D}" type="datetimeFigureOut">
               <a:rPr lang="en-US" smtClean="0"/>
-              <a:t>10/28/15</a:t>
+              <a:t>11/1/15</a:t>
             </a:fld>
             <a:endParaRPr lang="en-US"/>
           </a:p>
@@ -3091,7 +3092,7 @@
           <a:p>
             <a:fld id="{CDA55791-C2D1-764D-BBBD-B74F41DCF41D}" type="datetimeFigureOut">
               <a:rPr lang="en-US" smtClean="0"/>
-              <a:t>10/28/15</a:t>
+              <a:t>11/1/15</a:t>
             </a:fld>
             <a:endParaRPr lang="en-US"/>
           </a:p>
@@ -3587,7 +3588,11 @@
           <a:p>
             <a:r>
               <a:rPr lang="en-US" dirty="0" smtClean="0"/>
-              <a:t>Driver Information Form Design</a:t>
+              <a:t>Driver Information Form </a:t>
+            </a:r>
+            <a:r>
+              <a:rPr lang="en-US" dirty="0" smtClean="0"/>
+              <a:t>Additions</a:t>
             </a:r>
             <a:endParaRPr lang="en-US" dirty="0"/>
           </a:p>
@@ -3665,7 +3670,11 @@
           <a:p>
             <a:r>
               <a:rPr lang="en-US" dirty="0" smtClean="0"/>
-              <a:t>Calendar Design</a:t>
+              <a:t>Calendar </a:t>
+            </a:r>
+            <a:r>
+              <a:rPr lang="en-US" dirty="0" smtClean="0"/>
+              <a:t>Addition</a:t>
             </a:r>
             <a:endParaRPr lang="en-US" dirty="0"/>
           </a:p>
@@ -3771,7 +3780,7 @@
           <a:p>
             <a:r>
               <a:rPr lang="en-US" dirty="0" smtClean="0"/>
-              <a:t>Cycle 2 Process</a:t>
+              <a:t>Car availability method</a:t>
             </a:r>
             <a:endParaRPr lang="en-US" dirty="0"/>
           </a:p>
@@ -3792,60 +3801,10 @@
           <a:bodyPr/>
           <a:lstStyle/>
           <a:p>
-            <a:pPr marL="457200" lvl="1" indent="0">
-              <a:buNone/>
-            </a:pPr>
-            <a:r>
-              <a:rPr lang="en-US" dirty="0"/>
-              <a:t>I</a:t>
-            </a:r>
-            <a:r>
-              <a:rPr lang="en-US" dirty="0" smtClean="0"/>
-              <a:t>mplement/</a:t>
-            </a:r>
-            <a:r>
-              <a:rPr lang="en-US" dirty="0" smtClean="0"/>
-              <a:t>Te</a:t>
-            </a:r>
-            <a:r>
-              <a:rPr lang="en-US" dirty="0" smtClean="0"/>
-              <a:t>st/Review </a:t>
-            </a:r>
-            <a:r>
-              <a:rPr lang="en-US" dirty="0" smtClean="0"/>
-              <a:t>Cycle</a:t>
-            </a:r>
-          </a:p>
-          <a:p>
-            <a:pPr lvl="2"/>
-            <a:r>
-              <a:rPr lang="en-US" dirty="0" smtClean="0"/>
-              <a:t>Weekly meetings</a:t>
-            </a:r>
-          </a:p>
-          <a:p>
-            <a:pPr lvl="3"/>
-            <a:r>
-              <a:rPr lang="en-US" dirty="0" smtClean="0"/>
-              <a:t>Review our product</a:t>
-            </a:r>
-          </a:p>
-          <a:p>
-            <a:pPr lvl="3"/>
-            <a:r>
-              <a:rPr lang="en-US" dirty="0" smtClean="0"/>
-              <a:t>Test functionality</a:t>
-            </a:r>
-          </a:p>
-          <a:p>
-            <a:pPr lvl="3"/>
-            <a:r>
-              <a:rPr lang="en-US" dirty="0" smtClean="0"/>
-              <a:t>Assign weekly workload</a:t>
-            </a:r>
-          </a:p>
-          <a:p>
-            <a:pPr lvl="3"/>
+            <a:r>
+              <a:rPr lang="en-US" dirty="0" smtClean="0"/>
+              <a:t>All you Taylor</a:t>
+            </a:r>
             <a:endParaRPr lang="en-US" dirty="0"/>
           </a:p>
         </p:txBody>
@@ -3853,7 +3812,7 @@
     </p:spTree>
     <p:extLst>
       <p:ext uri="{BB962C8B-B14F-4D97-AF65-F5344CB8AC3E}">
-        <p14:creationId xmlns:p14="http://schemas.microsoft.com/office/powerpoint/2010/main" val="1655148188"/>
+        <p14:creationId xmlns:p14="http://schemas.microsoft.com/office/powerpoint/2010/main" val="2260105960"/>
       </p:ext>
     </p:extLst>
   </p:cSld>
@@ -3897,6 +3856,125 @@
           <a:p>
             <a:r>
               <a:rPr lang="en-US" dirty="0" smtClean="0"/>
+              <a:t>Cycle 2 Process</a:t>
+            </a:r>
+            <a:endParaRPr lang="en-US" dirty="0"/>
+          </a:p>
+        </p:txBody>
+      </p:sp>
+      <p:sp>
+        <p:nvSpPr>
+          <p:cNvPr id="3" name="Content Placeholder 2"/>
+          <p:cNvSpPr>
+            <a:spLocks noGrp="1"/>
+          </p:cNvSpPr>
+          <p:nvPr>
+            <p:ph idx="1"/>
+          </p:nvPr>
+        </p:nvSpPr>
+        <p:spPr/>
+        <p:txBody>
+          <a:bodyPr/>
+          <a:lstStyle/>
+          <a:p>
+            <a:pPr marL="457200" lvl="1" indent="0">
+              <a:buNone/>
+            </a:pPr>
+            <a:r>
+              <a:rPr lang="en-US" dirty="0"/>
+              <a:t>I</a:t>
+            </a:r>
+            <a:r>
+              <a:rPr lang="en-US" dirty="0" smtClean="0"/>
+              <a:t>mplement/Test/Review Cycle</a:t>
+            </a:r>
+          </a:p>
+          <a:p>
+            <a:pPr lvl="2"/>
+            <a:r>
+              <a:rPr lang="en-US" dirty="0" smtClean="0"/>
+              <a:t>Weekly </a:t>
+            </a:r>
+            <a:r>
+              <a:rPr lang="en-US" dirty="0" smtClean="0"/>
+              <a:t>meetings</a:t>
+            </a:r>
+            <a:endParaRPr lang="en-US" dirty="0" smtClean="0"/>
+          </a:p>
+          <a:p>
+            <a:pPr lvl="3"/>
+            <a:r>
+              <a:rPr lang="en-US" dirty="0" smtClean="0"/>
+              <a:t>Review our product</a:t>
+            </a:r>
+          </a:p>
+          <a:p>
+            <a:pPr lvl="3"/>
+            <a:r>
+              <a:rPr lang="en-US" dirty="0" smtClean="0"/>
+              <a:t>Test functionality</a:t>
+            </a:r>
+          </a:p>
+          <a:p>
+            <a:pPr lvl="3"/>
+            <a:r>
+              <a:rPr lang="en-US" dirty="0" smtClean="0"/>
+              <a:t>Assign weekly workload</a:t>
+            </a:r>
+          </a:p>
+          <a:p>
+            <a:pPr lvl="3"/>
+            <a:endParaRPr lang="en-US" dirty="0"/>
+          </a:p>
+        </p:txBody>
+      </p:sp>
+    </p:spTree>
+    <p:extLst>
+      <p:ext uri="{BB962C8B-B14F-4D97-AF65-F5344CB8AC3E}">
+        <p14:creationId xmlns:p14="http://schemas.microsoft.com/office/powerpoint/2010/main" val="1655148188"/>
+      </p:ext>
+    </p:extLst>
+  </p:cSld>
+  <p:clrMapOvr>
+    <a:masterClrMapping/>
+  </p:clrMapOvr>
+</p:sld>
+</file>
+
+<file path=ppt/slides/slide14.xml><?xml version="1.0" encoding="utf-8"?>
+<p:sld xmlns:a="http://schemas.openxmlformats.org/drawingml/2006/main" xmlns:r="http://schemas.openxmlformats.org/officeDocument/2006/relationships" xmlns:p="http://schemas.openxmlformats.org/presentationml/2006/main">
+  <p:cSld>
+    <p:spTree>
+      <p:nvGrpSpPr>
+        <p:cNvPr id="1" name=""/>
+        <p:cNvGrpSpPr/>
+        <p:nvPr/>
+      </p:nvGrpSpPr>
+      <p:grpSpPr>
+        <a:xfrm>
+          <a:off x="0" y="0"/>
+          <a:ext cx="0" cy="0"/>
+          <a:chOff x="0" y="0"/>
+          <a:chExt cx="0" cy="0"/>
+        </a:xfrm>
+      </p:grpSpPr>
+      <p:sp>
+        <p:nvSpPr>
+          <p:cNvPr id="2" name="Title 1"/>
+          <p:cNvSpPr>
+            <a:spLocks noGrp="1"/>
+          </p:cNvSpPr>
+          <p:nvPr>
+            <p:ph type="title"/>
+          </p:nvPr>
+        </p:nvSpPr>
+        <p:spPr/>
+        <p:txBody>
+          <a:bodyPr/>
+          <a:lstStyle/>
+          <a:p>
+            <a:r>
+              <a:rPr lang="en-US" dirty="0" smtClean="0"/>
               <a:t>Lessons Learned</a:t>
             </a:r>
             <a:endParaRPr lang="en-US" dirty="0"/>
@@ -3946,11 +4024,7 @@
             </a:r>
             <a:r>
               <a:rPr lang="en-US" smtClean="0"/>
-              <a:t>plan changes</a:t>
-            </a:r>
-            <a:r>
-              <a:rPr lang="en-US" smtClean="0"/>
-              <a:t> document it</a:t>
+              <a:t>plan changes document it</a:t>
             </a:r>
             <a:endParaRPr lang="en-US" dirty="0" smtClean="0"/>
           </a:p>
@@ -4135,7 +4209,7 @@
 </p:sld>
 </file>
 
-<file path=ppt/slides/slide14.xml><?xml version="1.0" encoding="utf-8"?>
+<file path=ppt/slides/slide15.xml><?xml version="1.0" encoding="utf-8"?>
 <p:sld xmlns:a="http://schemas.openxmlformats.org/drawingml/2006/main" xmlns:r="http://schemas.openxmlformats.org/officeDocument/2006/relationships" xmlns:p="http://schemas.openxmlformats.org/presentationml/2006/main">
   <p:cSld>
     <p:spTree>
@@ -4792,15 +4866,7 @@
           <a:p>
             <a:r>
               <a:rPr lang="en-US" dirty="0" smtClean="0"/>
-              <a:t>Cycle </a:t>
-            </a:r>
-            <a:r>
-              <a:rPr lang="en-US" dirty="0" smtClean="0"/>
-              <a:t>2 </a:t>
-            </a:r>
-            <a:r>
-              <a:rPr lang="en-US" dirty="0" smtClean="0"/>
-              <a:t>Progress</a:t>
+              <a:t>Cycle 2 Progress</a:t>
             </a:r>
             <a:endParaRPr lang="en-US" dirty="0"/>
           </a:p>
@@ -4872,14 +4938,12 @@
               <a:rPr lang="en-US" dirty="0" smtClean="0"/>
               <a:t>Completed</a:t>
             </a:r>
-            <a:endParaRPr lang="en-US" dirty="0" smtClean="0"/>
           </a:p>
           <a:p>
             <a:r>
               <a:rPr lang="en-US" dirty="0" smtClean="0"/>
               <a:t>Create New Reservations</a:t>
             </a:r>
-            <a:endParaRPr lang="en-US" dirty="0" smtClean="0"/>
           </a:p>
           <a:p>
             <a:pPr lvl="1"/>
@@ -4969,11 +5033,7 @@
           <a:p>
             <a:r>
               <a:rPr lang="en-US" dirty="0" smtClean="0"/>
-              <a:t>Sponsor </a:t>
-            </a:r>
-            <a:r>
-              <a:rPr lang="en-US" dirty="0" smtClean="0"/>
-              <a:t>Communication</a:t>
+              <a:t>Sponsor Communication</a:t>
             </a:r>
             <a:endParaRPr lang="en-US" dirty="0"/>
           </a:p>
@@ -5127,8 +5187,9 @@
             <a:pPr lvl="1"/>
             <a:r>
               <a:rPr lang="en-US" dirty="0" smtClean="0"/>
-              <a:t>Added estimated time of return for real car availability</a:t>
-            </a:r>
+              <a:t>Added car assignment code</a:t>
+            </a:r>
+            <a:endParaRPr lang="en-US" dirty="0" smtClean="0"/>
           </a:p>
           <a:p>
             <a:pPr lvl="1"/>

--- a/Cycle2DOC/CycleTwoPresentation.pptx
+++ b/Cycle2DOC/CycleTwoPresentation.pptx
@@ -2381,7 +2381,7 @@
                 <a:spcPct val="100000"/>
               </a:lnSpc>
             </a:pPr>
-            <a:fld id="{4DAD30B5-487D-4CD6-B4D9-F9C17298E80A}" type="slidenum">
+            <a:fld id="{B63D3965-7F2F-4A0F-830F-11C9EA6B7AFE}" type="slidenum">
               <a:rPr lang="en-US" sz="1200">
                 <a:solidFill>
                   <a:srgbClr val="8b8b8b"/>
@@ -2903,7 +2903,7 @@
                 <a:spcPct val="100000"/>
               </a:lnSpc>
             </a:pPr>
-            <a:fld id="{681FF1BA-C492-44B5-A042-4CD0D38E4122}" type="slidenum">
+            <a:fld id="{42AAEB0D-0EB5-4A7A-B60D-B71D0F5F21F3}" type="slidenum">
               <a:rPr lang="en-US" sz="1200">
                 <a:solidFill>
                   <a:srgbClr val="8b8b8b"/>

--- a/Cycle2DOC/CycleTwoPresentation.pptx
+++ b/Cycle2DOC/CycleTwoPresentation.pptx
@@ -1,34 +1,129 @@
 
 <file path=ppt/presentation.xml><?xml version="1.0" encoding="utf-8"?>
-<p:presentation xmlns:a="http://schemas.openxmlformats.org/drawingml/2006/main" xmlns:p="http://schemas.openxmlformats.org/presentationml/2006/main" xmlns:r="http://schemas.openxmlformats.org/officeDocument/2006/relationships">
+<p:presentation xmlns:a="http://schemas.openxmlformats.org/drawingml/2006/main" xmlns:r="http://schemas.openxmlformats.org/officeDocument/2006/relationships" xmlns:p="http://schemas.openxmlformats.org/presentationml/2006/main">
   <p:sldMasterIdLst>
-    <p:sldMasterId id="2147483648" r:id="rId2"/>
-    <p:sldMasterId id="2147483661" r:id="rId3"/>
+    <p:sldMasterId id="2147483648" r:id="rId1"/>
+    <p:sldMasterId id="2147483661" r:id="rId2"/>
   </p:sldMasterIdLst>
   <p:sldIdLst>
-    <p:sldId id="256" r:id="rId4"/>
-    <p:sldId id="257" r:id="rId5"/>
-    <p:sldId id="258" r:id="rId6"/>
-    <p:sldId id="259" r:id="rId7"/>
-    <p:sldId id="260" r:id="rId8"/>
-    <p:sldId id="261" r:id="rId9"/>
-    <p:sldId id="262" r:id="rId10"/>
-    <p:sldId id="263" r:id="rId11"/>
-    <p:sldId id="264" r:id="rId12"/>
-    <p:sldId id="265" r:id="rId13"/>
-    <p:sldId id="266" r:id="rId14"/>
-    <p:sldId id="267" r:id="rId15"/>
-    <p:sldId id="268" r:id="rId16"/>
-    <p:sldId id="269" r:id="rId17"/>
-    <p:sldId id="270" r:id="rId18"/>
+    <p:sldId id="256" r:id="rId3"/>
+    <p:sldId id="257" r:id="rId4"/>
+    <p:sldId id="258" r:id="rId5"/>
+    <p:sldId id="259" r:id="rId6"/>
+    <p:sldId id="260" r:id="rId7"/>
+    <p:sldId id="261" r:id="rId8"/>
+    <p:sldId id="262" r:id="rId9"/>
+    <p:sldId id="263" r:id="rId10"/>
+    <p:sldId id="264" r:id="rId11"/>
+    <p:sldId id="265" r:id="rId12"/>
+    <p:sldId id="266" r:id="rId13"/>
+    <p:sldId id="267" r:id="rId14"/>
+    <p:sldId id="268" r:id="rId15"/>
+    <p:sldId id="269" r:id="rId16"/>
+    <p:sldId id="270" r:id="rId17"/>
   </p:sldIdLst>
-  <p:sldSz cx="9144000" cy="6858000"/>
+  <p:sldSz cx="9144000" cy="6858000" type="screen4x3"/>
   <p:notesSz cx="7772400" cy="10058400"/>
+  <p:defaultTextStyle>
+    <a:defPPr>
+      <a:defRPr lang="en-US"/>
+    </a:defPPr>
+    <a:lvl1pPr marL="0" algn="l" defTabSz="457200" rtl="0" eaLnBrk="1" latinLnBrk="0" hangingPunct="1">
+      <a:defRPr sz="1800" kern="1200">
+        <a:solidFill>
+          <a:schemeClr val="tx1"/>
+        </a:solidFill>
+        <a:latin typeface="+mn-lt"/>
+        <a:ea typeface="+mn-ea"/>
+        <a:cs typeface="+mn-cs"/>
+      </a:defRPr>
+    </a:lvl1pPr>
+    <a:lvl2pPr marL="457200" algn="l" defTabSz="457200" rtl="0" eaLnBrk="1" latinLnBrk="0" hangingPunct="1">
+      <a:defRPr sz="1800" kern="1200">
+        <a:solidFill>
+          <a:schemeClr val="tx1"/>
+        </a:solidFill>
+        <a:latin typeface="+mn-lt"/>
+        <a:ea typeface="+mn-ea"/>
+        <a:cs typeface="+mn-cs"/>
+      </a:defRPr>
+    </a:lvl2pPr>
+    <a:lvl3pPr marL="914400" algn="l" defTabSz="457200" rtl="0" eaLnBrk="1" latinLnBrk="0" hangingPunct="1">
+      <a:defRPr sz="1800" kern="1200">
+        <a:solidFill>
+          <a:schemeClr val="tx1"/>
+        </a:solidFill>
+        <a:latin typeface="+mn-lt"/>
+        <a:ea typeface="+mn-ea"/>
+        <a:cs typeface="+mn-cs"/>
+      </a:defRPr>
+    </a:lvl3pPr>
+    <a:lvl4pPr marL="1371600" algn="l" defTabSz="457200" rtl="0" eaLnBrk="1" latinLnBrk="0" hangingPunct="1">
+      <a:defRPr sz="1800" kern="1200">
+        <a:solidFill>
+          <a:schemeClr val="tx1"/>
+        </a:solidFill>
+        <a:latin typeface="+mn-lt"/>
+        <a:ea typeface="+mn-ea"/>
+        <a:cs typeface="+mn-cs"/>
+      </a:defRPr>
+    </a:lvl4pPr>
+    <a:lvl5pPr marL="1828800" algn="l" defTabSz="457200" rtl="0" eaLnBrk="1" latinLnBrk="0" hangingPunct="1">
+      <a:defRPr sz="1800" kern="1200">
+        <a:solidFill>
+          <a:schemeClr val="tx1"/>
+        </a:solidFill>
+        <a:latin typeface="+mn-lt"/>
+        <a:ea typeface="+mn-ea"/>
+        <a:cs typeface="+mn-cs"/>
+      </a:defRPr>
+    </a:lvl5pPr>
+    <a:lvl6pPr marL="2286000" algn="l" defTabSz="457200" rtl="0" eaLnBrk="1" latinLnBrk="0" hangingPunct="1">
+      <a:defRPr sz="1800" kern="1200">
+        <a:solidFill>
+          <a:schemeClr val="tx1"/>
+        </a:solidFill>
+        <a:latin typeface="+mn-lt"/>
+        <a:ea typeface="+mn-ea"/>
+        <a:cs typeface="+mn-cs"/>
+      </a:defRPr>
+    </a:lvl6pPr>
+    <a:lvl7pPr marL="2743200" algn="l" defTabSz="457200" rtl="0" eaLnBrk="1" latinLnBrk="0" hangingPunct="1">
+      <a:defRPr sz="1800" kern="1200">
+        <a:solidFill>
+          <a:schemeClr val="tx1"/>
+        </a:solidFill>
+        <a:latin typeface="+mn-lt"/>
+        <a:ea typeface="+mn-ea"/>
+        <a:cs typeface="+mn-cs"/>
+      </a:defRPr>
+    </a:lvl7pPr>
+    <a:lvl8pPr marL="3200400" algn="l" defTabSz="457200" rtl="0" eaLnBrk="1" latinLnBrk="0" hangingPunct="1">
+      <a:defRPr sz="1800" kern="1200">
+        <a:solidFill>
+          <a:schemeClr val="tx1"/>
+        </a:solidFill>
+        <a:latin typeface="+mn-lt"/>
+        <a:ea typeface="+mn-ea"/>
+        <a:cs typeface="+mn-cs"/>
+      </a:defRPr>
+    </a:lvl8pPr>
+    <a:lvl9pPr marL="3657600" algn="l" defTabSz="457200" rtl="0" eaLnBrk="1" latinLnBrk="0" hangingPunct="1">
+      <a:defRPr sz="1800" kern="1200">
+        <a:solidFill>
+          <a:schemeClr val="tx1"/>
+        </a:solidFill>
+        <a:latin typeface="+mn-lt"/>
+        <a:ea typeface="+mn-ea"/>
+        <a:cs typeface="+mn-cs"/>
+      </a:defRPr>
+    </a:lvl9pPr>
+  </p:defaultTextStyle>
 </p:presentation>
 </file>
 
 <file path=ppt/slideLayouts/slideLayout1.xml><?xml version="1.0" encoding="utf-8"?>
-<p:sldLayout xmlns:a="http://schemas.openxmlformats.org/drawingml/2006/main" xmlns:p="http://schemas.openxmlformats.org/presentationml/2006/main" xmlns:r="http://schemas.openxmlformats.org/officeDocument/2006/relationships" preserve="1" type="blank">
+<p:sldLayout xmlns:a="http://schemas.openxmlformats.org/drawingml/2006/main" xmlns:r="http://schemas.openxmlformats.org/officeDocument/2006/relationships" xmlns:p="http://schemas.openxmlformats.org/presentationml/2006/main" type="blank" preserve="1">
   <p:cSld name="Blank Slide">
     <p:spTree>
       <p:nvGrpSpPr>
@@ -46,11 +141,14 @@
       </p:grpSpPr>
     </p:spTree>
   </p:cSld>
+  <p:clrMapOvr>
+    <a:masterClrMapping/>
+  </p:clrMapOvr>
 </p:sldLayout>
 </file>
 
 <file path=ppt/slideLayouts/slideLayout10.xml><?xml version="1.0" encoding="utf-8"?>
-<p:sldLayout xmlns:a="http://schemas.openxmlformats.org/drawingml/2006/main" xmlns:p="http://schemas.openxmlformats.org/presentationml/2006/main" xmlns:r="http://schemas.openxmlformats.org/officeDocument/2006/relationships" preserve="1" type="objOverTx">
+<p:sldLayout xmlns:a="http://schemas.openxmlformats.org/drawingml/2006/main" xmlns:r="http://schemas.openxmlformats.org/officeDocument/2006/relationships" xmlns:p="http://schemas.openxmlformats.org/presentationml/2006/main" type="objOverTx" preserve="1">
   <p:cSld name="Title, Content over Content">
     <p:spTree>
       <p:nvGrpSpPr>
@@ -86,7 +184,8 @@
           </a:prstGeom>
         </p:spPr>
         <p:txBody>
-          <a:bodyPr anchor="ctr" bIns="0" lIns="0" rIns="0" tIns="0" wrap="none"/>
+          <a:bodyPr wrap="none" lIns="0" tIns="0" rIns="0" bIns="0" anchor="ctr"/>
+          <a:lstStyle/>
           <a:p>
             <a:endParaRPr/>
           </a:p>
@@ -112,7 +211,8 @@
           </a:prstGeom>
         </p:spPr>
         <p:txBody>
-          <a:bodyPr bIns="0" lIns="0" rIns="0" tIns="0" wrap="none"/>
+          <a:bodyPr wrap="none" lIns="0" tIns="0" rIns="0" bIns="0"/>
+          <a:lstStyle/>
           <a:p>
             <a:endParaRPr/>
           </a:p>
@@ -138,7 +238,8 @@
           </a:prstGeom>
         </p:spPr>
         <p:txBody>
-          <a:bodyPr bIns="0" lIns="0" rIns="0" tIns="0" wrap="none"/>
+          <a:bodyPr wrap="none" lIns="0" tIns="0" rIns="0" bIns="0"/>
+          <a:lstStyle/>
           <a:p>
             <a:endParaRPr/>
           </a:p>
@@ -146,11 +247,14 @@
       </p:sp>
     </p:spTree>
   </p:cSld>
+  <p:clrMapOvr>
+    <a:masterClrMapping/>
+  </p:clrMapOvr>
 </p:sldLayout>
 </file>
 
 <file path=ppt/slideLayouts/slideLayout11.xml><?xml version="1.0" encoding="utf-8"?>
-<p:sldLayout xmlns:a="http://schemas.openxmlformats.org/drawingml/2006/main" xmlns:p="http://schemas.openxmlformats.org/presentationml/2006/main" xmlns:r="http://schemas.openxmlformats.org/officeDocument/2006/relationships" preserve="1" type="fourObj">
+<p:sldLayout xmlns:a="http://schemas.openxmlformats.org/drawingml/2006/main" xmlns:r="http://schemas.openxmlformats.org/officeDocument/2006/relationships" xmlns:p="http://schemas.openxmlformats.org/presentationml/2006/main" type="fourObj" preserve="1">
   <p:cSld name="Title, 4 Content">
     <p:spTree>
       <p:nvGrpSpPr>
@@ -186,7 +290,8 @@
           </a:prstGeom>
         </p:spPr>
         <p:txBody>
-          <a:bodyPr anchor="ctr" bIns="0" lIns="0" rIns="0" tIns="0" wrap="none"/>
+          <a:bodyPr wrap="none" lIns="0" tIns="0" rIns="0" bIns="0" anchor="ctr"/>
+          <a:lstStyle/>
           <a:p>
             <a:endParaRPr/>
           </a:p>
@@ -212,7 +317,8 @@
           </a:prstGeom>
         </p:spPr>
         <p:txBody>
-          <a:bodyPr bIns="0" lIns="0" rIns="0" tIns="0" wrap="none"/>
+          <a:bodyPr wrap="none" lIns="0" tIns="0" rIns="0" bIns="0"/>
+          <a:lstStyle/>
           <a:p>
             <a:endParaRPr/>
           </a:p>
@@ -238,7 +344,8 @@
           </a:prstGeom>
         </p:spPr>
         <p:txBody>
-          <a:bodyPr bIns="0" lIns="0" rIns="0" tIns="0" wrap="none"/>
+          <a:bodyPr wrap="none" lIns="0" tIns="0" rIns="0" bIns="0"/>
+          <a:lstStyle/>
           <a:p>
             <a:endParaRPr/>
           </a:p>
@@ -264,7 +371,8 @@
           </a:prstGeom>
         </p:spPr>
         <p:txBody>
-          <a:bodyPr bIns="0" lIns="0" rIns="0" tIns="0" wrap="none"/>
+          <a:bodyPr wrap="none" lIns="0" tIns="0" rIns="0" bIns="0"/>
+          <a:lstStyle/>
           <a:p>
             <a:endParaRPr/>
           </a:p>
@@ -290,7 +398,8 @@
           </a:prstGeom>
         </p:spPr>
         <p:txBody>
-          <a:bodyPr bIns="0" lIns="0" rIns="0" tIns="0" wrap="none"/>
+          <a:bodyPr wrap="none" lIns="0" tIns="0" rIns="0" bIns="0"/>
+          <a:lstStyle/>
           <a:p>
             <a:endParaRPr/>
           </a:p>
@@ -298,11 +407,14 @@
       </p:sp>
     </p:spTree>
   </p:cSld>
+  <p:clrMapOvr>
+    <a:masterClrMapping/>
+  </p:clrMapOvr>
 </p:sldLayout>
 </file>
 
 <file path=ppt/slideLayouts/slideLayout12.xml><?xml version="1.0" encoding="utf-8"?>
-<p:sldLayout xmlns:a="http://schemas.openxmlformats.org/drawingml/2006/main" xmlns:p="http://schemas.openxmlformats.org/presentationml/2006/main" xmlns:r="http://schemas.openxmlformats.org/officeDocument/2006/relationships" preserve="1" type="blank">
+<p:sldLayout xmlns:a="http://schemas.openxmlformats.org/drawingml/2006/main" xmlns:r="http://schemas.openxmlformats.org/officeDocument/2006/relationships" xmlns:p="http://schemas.openxmlformats.org/presentationml/2006/main" type="blank" preserve="1">
   <p:cSld name="Title, 6 Content">
     <p:spTree>
       <p:nvGrpSpPr>
@@ -338,7 +450,8 @@
           </a:prstGeom>
         </p:spPr>
         <p:txBody>
-          <a:bodyPr anchor="ctr" bIns="0" lIns="0" rIns="0" tIns="0" wrap="none"/>
+          <a:bodyPr wrap="none" lIns="0" tIns="0" rIns="0" bIns="0" anchor="ctr"/>
+          <a:lstStyle/>
           <a:p>
             <a:endParaRPr/>
           </a:p>
@@ -364,7 +477,8 @@
           </a:prstGeom>
         </p:spPr>
         <p:txBody>
-          <a:bodyPr bIns="0" lIns="0" rIns="0" tIns="0" wrap="none"/>
+          <a:bodyPr wrap="none" lIns="0" tIns="0" rIns="0" bIns="0"/>
+          <a:lstStyle/>
           <a:p>
             <a:endParaRPr/>
           </a:p>
@@ -390,7 +504,8 @@
           </a:prstGeom>
         </p:spPr>
         <p:txBody>
-          <a:bodyPr bIns="0" lIns="0" rIns="0" tIns="0" wrap="none"/>
+          <a:bodyPr wrap="none" lIns="0" tIns="0" rIns="0" bIns="0"/>
+          <a:lstStyle/>
           <a:p>
             <a:endParaRPr/>
           </a:p>
@@ -398,11 +513,14 @@
       </p:sp>
     </p:spTree>
   </p:cSld>
+  <p:clrMapOvr>
+    <a:masterClrMapping/>
+  </p:clrMapOvr>
 </p:sldLayout>
 </file>
 
 <file path=ppt/slideLayouts/slideLayout13.xml><?xml version="1.0" encoding="utf-8"?>
-<p:sldLayout xmlns:a="http://schemas.openxmlformats.org/drawingml/2006/main" xmlns:p="http://schemas.openxmlformats.org/presentationml/2006/main" xmlns:r="http://schemas.openxmlformats.org/officeDocument/2006/relationships" preserve="1" type="blank">
+<p:sldLayout xmlns:a="http://schemas.openxmlformats.org/drawingml/2006/main" xmlns:r="http://schemas.openxmlformats.org/officeDocument/2006/relationships" xmlns:p="http://schemas.openxmlformats.org/presentationml/2006/main" type="blank" preserve="1">
   <p:cSld name="Blank Slide">
     <p:spTree>
       <p:nvGrpSpPr>
@@ -420,11 +538,14 @@
       </p:grpSpPr>
     </p:spTree>
   </p:cSld>
+  <p:clrMapOvr>
+    <a:masterClrMapping/>
+  </p:clrMapOvr>
 </p:sldLayout>
 </file>
 
 <file path=ppt/slideLayouts/slideLayout14.xml><?xml version="1.0" encoding="utf-8"?>
-<p:sldLayout xmlns:a="http://schemas.openxmlformats.org/drawingml/2006/main" xmlns:p="http://schemas.openxmlformats.org/presentationml/2006/main" xmlns:r="http://schemas.openxmlformats.org/officeDocument/2006/relationships" preserve="1" type="tx">
+<p:sldLayout xmlns:a="http://schemas.openxmlformats.org/drawingml/2006/main" xmlns:r="http://schemas.openxmlformats.org/officeDocument/2006/relationships" xmlns:p="http://schemas.openxmlformats.org/presentationml/2006/main" type="tx" preserve="1">
   <p:cSld name="Title Slide">
     <p:spTree>
       <p:nvGrpSpPr>
@@ -460,7 +581,8 @@
           </a:prstGeom>
         </p:spPr>
         <p:txBody>
-          <a:bodyPr anchor="ctr" bIns="0" lIns="0" rIns="0" tIns="0" wrap="none"/>
+          <a:bodyPr wrap="none" lIns="0" tIns="0" rIns="0" bIns="0" anchor="ctr"/>
+          <a:lstStyle/>
           <a:p>
             <a:endParaRPr/>
           </a:p>
@@ -486,7 +608,8 @@
           </a:prstGeom>
         </p:spPr>
         <p:txBody>
-          <a:bodyPr anchor="ctr" bIns="0" lIns="0" rIns="0" tIns="0" wrap="none"/>
+          <a:bodyPr wrap="none" lIns="0" tIns="0" rIns="0" bIns="0" anchor="ctr"/>
+          <a:lstStyle/>
           <a:p>
             <a:pPr algn="ctr"/>
             <a:endParaRPr/>
@@ -495,11 +618,14 @@
       </p:sp>
     </p:spTree>
   </p:cSld>
+  <p:clrMapOvr>
+    <a:masterClrMapping/>
+  </p:clrMapOvr>
 </p:sldLayout>
 </file>
 
 <file path=ppt/slideLayouts/slideLayout15.xml><?xml version="1.0" encoding="utf-8"?>
-<p:sldLayout xmlns:a="http://schemas.openxmlformats.org/drawingml/2006/main" xmlns:p="http://schemas.openxmlformats.org/presentationml/2006/main" xmlns:r="http://schemas.openxmlformats.org/officeDocument/2006/relationships" preserve="1" type="obj">
+<p:sldLayout xmlns:a="http://schemas.openxmlformats.org/drawingml/2006/main" xmlns:r="http://schemas.openxmlformats.org/officeDocument/2006/relationships" xmlns:p="http://schemas.openxmlformats.org/presentationml/2006/main" type="obj" preserve="1">
   <p:cSld name="Title, Content">
     <p:spTree>
       <p:nvGrpSpPr>
@@ -535,7 +661,8 @@
           </a:prstGeom>
         </p:spPr>
         <p:txBody>
-          <a:bodyPr anchor="ctr" bIns="0" lIns="0" rIns="0" tIns="0" wrap="none"/>
+          <a:bodyPr wrap="none" lIns="0" tIns="0" rIns="0" bIns="0" anchor="ctr"/>
+          <a:lstStyle/>
           <a:p>
             <a:endParaRPr/>
           </a:p>
@@ -561,7 +688,8 @@
           </a:prstGeom>
         </p:spPr>
         <p:txBody>
-          <a:bodyPr bIns="0" lIns="0" rIns="0" tIns="0" wrap="none"/>
+          <a:bodyPr wrap="none" lIns="0" tIns="0" rIns="0" bIns="0"/>
+          <a:lstStyle/>
           <a:p>
             <a:endParaRPr/>
           </a:p>
@@ -569,11 +697,14 @@
       </p:sp>
     </p:spTree>
   </p:cSld>
+  <p:clrMapOvr>
+    <a:masterClrMapping/>
+  </p:clrMapOvr>
 </p:sldLayout>
 </file>
 
 <file path=ppt/slideLayouts/slideLayout16.xml><?xml version="1.0" encoding="utf-8"?>
-<p:sldLayout xmlns:a="http://schemas.openxmlformats.org/drawingml/2006/main" xmlns:p="http://schemas.openxmlformats.org/presentationml/2006/main" xmlns:r="http://schemas.openxmlformats.org/officeDocument/2006/relationships" preserve="1" type="twoObj">
+<p:sldLayout xmlns:a="http://schemas.openxmlformats.org/drawingml/2006/main" xmlns:r="http://schemas.openxmlformats.org/officeDocument/2006/relationships" xmlns:p="http://schemas.openxmlformats.org/presentationml/2006/main" type="twoObj" preserve="1">
   <p:cSld name="Title, 2 Content">
     <p:spTree>
       <p:nvGrpSpPr>
@@ -609,7 +740,8 @@
           </a:prstGeom>
         </p:spPr>
         <p:txBody>
-          <a:bodyPr anchor="ctr" bIns="0" lIns="0" rIns="0" tIns="0" wrap="none"/>
+          <a:bodyPr wrap="none" lIns="0" tIns="0" rIns="0" bIns="0" anchor="ctr"/>
+          <a:lstStyle/>
           <a:p>
             <a:endParaRPr/>
           </a:p>
@@ -635,7 +767,8 @@
           </a:prstGeom>
         </p:spPr>
         <p:txBody>
-          <a:bodyPr bIns="0" lIns="0" rIns="0" tIns="0" wrap="none"/>
+          <a:bodyPr wrap="none" lIns="0" tIns="0" rIns="0" bIns="0"/>
+          <a:lstStyle/>
           <a:p>
             <a:endParaRPr/>
           </a:p>
@@ -661,7 +794,8 @@
           </a:prstGeom>
         </p:spPr>
         <p:txBody>
-          <a:bodyPr bIns="0" lIns="0" rIns="0" tIns="0" wrap="none"/>
+          <a:bodyPr wrap="none" lIns="0" tIns="0" rIns="0" bIns="0"/>
+          <a:lstStyle/>
           <a:p>
             <a:endParaRPr/>
           </a:p>
@@ -669,11 +803,14 @@
       </p:sp>
     </p:spTree>
   </p:cSld>
+  <p:clrMapOvr>
+    <a:masterClrMapping/>
+  </p:clrMapOvr>
 </p:sldLayout>
 </file>
 
 <file path=ppt/slideLayouts/slideLayout17.xml><?xml version="1.0" encoding="utf-8"?>
-<p:sldLayout xmlns:a="http://schemas.openxmlformats.org/drawingml/2006/main" xmlns:p="http://schemas.openxmlformats.org/presentationml/2006/main" xmlns:r="http://schemas.openxmlformats.org/officeDocument/2006/relationships" preserve="1" type="titleOnly">
+<p:sldLayout xmlns:a="http://schemas.openxmlformats.org/drawingml/2006/main" xmlns:r="http://schemas.openxmlformats.org/officeDocument/2006/relationships" xmlns:p="http://schemas.openxmlformats.org/presentationml/2006/main" type="titleOnly" preserve="1">
   <p:cSld name="Title Only">
     <p:spTree>
       <p:nvGrpSpPr>
@@ -709,7 +846,8 @@
           </a:prstGeom>
         </p:spPr>
         <p:txBody>
-          <a:bodyPr anchor="ctr" bIns="0" lIns="0" rIns="0" tIns="0" wrap="none"/>
+          <a:bodyPr wrap="none" lIns="0" tIns="0" rIns="0" bIns="0" anchor="ctr"/>
+          <a:lstStyle/>
           <a:p>
             <a:endParaRPr/>
           </a:p>
@@ -717,11 +855,14 @@
       </p:sp>
     </p:spTree>
   </p:cSld>
+  <p:clrMapOvr>
+    <a:masterClrMapping/>
+  </p:clrMapOvr>
 </p:sldLayout>
 </file>
 
 <file path=ppt/slideLayouts/slideLayout18.xml><?xml version="1.0" encoding="utf-8"?>
-<p:sldLayout xmlns:a="http://schemas.openxmlformats.org/drawingml/2006/main" xmlns:p="http://schemas.openxmlformats.org/presentationml/2006/main" xmlns:r="http://schemas.openxmlformats.org/officeDocument/2006/relationships" preserve="1" type="objOnly">
+<p:sldLayout xmlns:a="http://schemas.openxmlformats.org/drawingml/2006/main" xmlns:r="http://schemas.openxmlformats.org/officeDocument/2006/relationships" xmlns:p="http://schemas.openxmlformats.org/presentationml/2006/main" type="objOnly" preserve="1">
   <p:cSld name="Centered Text">
     <p:spTree>
       <p:nvGrpSpPr>
@@ -757,7 +898,8 @@
           </a:prstGeom>
         </p:spPr>
         <p:txBody>
-          <a:bodyPr anchor="ctr" bIns="0" lIns="0" rIns="0" tIns="0" wrap="none"/>
+          <a:bodyPr wrap="none" lIns="0" tIns="0" rIns="0" bIns="0" anchor="ctr"/>
+          <a:lstStyle/>
           <a:p>
             <a:pPr algn="ctr"/>
             <a:endParaRPr/>
@@ -766,11 +908,14 @@
       </p:sp>
     </p:spTree>
   </p:cSld>
+  <p:clrMapOvr>
+    <a:masterClrMapping/>
+  </p:clrMapOvr>
 </p:sldLayout>
 </file>
 
 <file path=ppt/slideLayouts/slideLayout19.xml><?xml version="1.0" encoding="utf-8"?>
-<p:sldLayout xmlns:a="http://schemas.openxmlformats.org/drawingml/2006/main" xmlns:p="http://schemas.openxmlformats.org/presentationml/2006/main" xmlns:r="http://schemas.openxmlformats.org/officeDocument/2006/relationships" preserve="1" type="twoObjAndObj">
+<p:sldLayout xmlns:a="http://schemas.openxmlformats.org/drawingml/2006/main" xmlns:r="http://schemas.openxmlformats.org/officeDocument/2006/relationships" xmlns:p="http://schemas.openxmlformats.org/presentationml/2006/main" type="twoObjAndObj" preserve="1">
   <p:cSld name="Title, 2 Content and Content">
     <p:spTree>
       <p:nvGrpSpPr>
@@ -806,7 +951,8 @@
           </a:prstGeom>
         </p:spPr>
         <p:txBody>
-          <a:bodyPr anchor="ctr" bIns="0" lIns="0" rIns="0" tIns="0" wrap="none"/>
+          <a:bodyPr wrap="none" lIns="0" tIns="0" rIns="0" bIns="0" anchor="ctr"/>
+          <a:lstStyle/>
           <a:p>
             <a:endParaRPr/>
           </a:p>
@@ -832,7 +978,8 @@
           </a:prstGeom>
         </p:spPr>
         <p:txBody>
-          <a:bodyPr bIns="0" lIns="0" rIns="0" tIns="0" wrap="none"/>
+          <a:bodyPr wrap="none" lIns="0" tIns="0" rIns="0" bIns="0"/>
+          <a:lstStyle/>
           <a:p>
             <a:endParaRPr/>
           </a:p>
@@ -858,7 +1005,8 @@
           </a:prstGeom>
         </p:spPr>
         <p:txBody>
-          <a:bodyPr bIns="0" lIns="0" rIns="0" tIns="0" wrap="none"/>
+          <a:bodyPr wrap="none" lIns="0" tIns="0" rIns="0" bIns="0"/>
+          <a:lstStyle/>
           <a:p>
             <a:endParaRPr/>
           </a:p>
@@ -884,7 +1032,8 @@
           </a:prstGeom>
         </p:spPr>
         <p:txBody>
-          <a:bodyPr bIns="0" lIns="0" rIns="0" tIns="0" wrap="none"/>
+          <a:bodyPr wrap="none" lIns="0" tIns="0" rIns="0" bIns="0"/>
+          <a:lstStyle/>
           <a:p>
             <a:endParaRPr/>
           </a:p>
@@ -892,11 +1041,14 @@
       </p:sp>
     </p:spTree>
   </p:cSld>
+  <p:clrMapOvr>
+    <a:masterClrMapping/>
+  </p:clrMapOvr>
 </p:sldLayout>
 </file>
 
 <file path=ppt/slideLayouts/slideLayout2.xml><?xml version="1.0" encoding="utf-8"?>
-<p:sldLayout xmlns:a="http://schemas.openxmlformats.org/drawingml/2006/main" xmlns:p="http://schemas.openxmlformats.org/presentationml/2006/main" xmlns:r="http://schemas.openxmlformats.org/officeDocument/2006/relationships" preserve="1" type="tx">
+<p:sldLayout xmlns:a="http://schemas.openxmlformats.org/drawingml/2006/main" xmlns:r="http://schemas.openxmlformats.org/officeDocument/2006/relationships" xmlns:p="http://schemas.openxmlformats.org/presentationml/2006/main" type="tx" preserve="1">
   <p:cSld name="Title Slide">
     <p:spTree>
       <p:nvGrpSpPr>
@@ -932,7 +1084,8 @@
           </a:prstGeom>
         </p:spPr>
         <p:txBody>
-          <a:bodyPr anchor="ctr" bIns="0" lIns="0" rIns="0" tIns="0" wrap="none"/>
+          <a:bodyPr wrap="none" lIns="0" tIns="0" rIns="0" bIns="0" anchor="ctr"/>
+          <a:lstStyle/>
           <a:p>
             <a:endParaRPr/>
           </a:p>
@@ -958,7 +1111,8 @@
           </a:prstGeom>
         </p:spPr>
         <p:txBody>
-          <a:bodyPr anchor="ctr" bIns="0" lIns="0" rIns="0" tIns="0" wrap="none"/>
+          <a:bodyPr wrap="none" lIns="0" tIns="0" rIns="0" bIns="0" anchor="ctr"/>
+          <a:lstStyle/>
           <a:p>
             <a:pPr algn="ctr"/>
             <a:endParaRPr/>
@@ -967,11 +1121,14 @@
       </p:sp>
     </p:spTree>
   </p:cSld>
+  <p:clrMapOvr>
+    <a:masterClrMapping/>
+  </p:clrMapOvr>
 </p:sldLayout>
 </file>
 
 <file path=ppt/slideLayouts/slideLayout20.xml><?xml version="1.0" encoding="utf-8"?>
-<p:sldLayout xmlns:a="http://schemas.openxmlformats.org/drawingml/2006/main" xmlns:p="http://schemas.openxmlformats.org/presentationml/2006/main" xmlns:r="http://schemas.openxmlformats.org/officeDocument/2006/relationships" preserve="1" type="objAndTwoObj">
+<p:sldLayout xmlns:a="http://schemas.openxmlformats.org/drawingml/2006/main" xmlns:r="http://schemas.openxmlformats.org/officeDocument/2006/relationships" xmlns:p="http://schemas.openxmlformats.org/presentationml/2006/main" type="objAndTwoObj" preserve="1">
   <p:cSld name="Title Content and 2 Content">
     <p:spTree>
       <p:nvGrpSpPr>
@@ -1007,7 +1164,8 @@
           </a:prstGeom>
         </p:spPr>
         <p:txBody>
-          <a:bodyPr anchor="ctr" bIns="0" lIns="0" rIns="0" tIns="0" wrap="none"/>
+          <a:bodyPr wrap="none" lIns="0" tIns="0" rIns="0" bIns="0" anchor="ctr"/>
+          <a:lstStyle/>
           <a:p>
             <a:endParaRPr/>
           </a:p>
@@ -1033,7 +1191,8 @@
           </a:prstGeom>
         </p:spPr>
         <p:txBody>
-          <a:bodyPr bIns="0" lIns="0" rIns="0" tIns="0" wrap="none"/>
+          <a:bodyPr wrap="none" lIns="0" tIns="0" rIns="0" bIns="0"/>
+          <a:lstStyle/>
           <a:p>
             <a:endParaRPr/>
           </a:p>
@@ -1059,7 +1218,8 @@
           </a:prstGeom>
         </p:spPr>
         <p:txBody>
-          <a:bodyPr bIns="0" lIns="0" rIns="0" tIns="0" wrap="none"/>
+          <a:bodyPr wrap="none" lIns="0" tIns="0" rIns="0" bIns="0"/>
+          <a:lstStyle/>
           <a:p>
             <a:endParaRPr/>
           </a:p>
@@ -1085,7 +1245,8 @@
           </a:prstGeom>
         </p:spPr>
         <p:txBody>
-          <a:bodyPr bIns="0" lIns="0" rIns="0" tIns="0" wrap="none"/>
+          <a:bodyPr wrap="none" lIns="0" tIns="0" rIns="0" bIns="0"/>
+          <a:lstStyle/>
           <a:p>
             <a:endParaRPr/>
           </a:p>
@@ -1093,11 +1254,14 @@
       </p:sp>
     </p:spTree>
   </p:cSld>
+  <p:clrMapOvr>
+    <a:masterClrMapping/>
+  </p:clrMapOvr>
 </p:sldLayout>
 </file>
 
 <file path=ppt/slideLayouts/slideLayout21.xml><?xml version="1.0" encoding="utf-8"?>
-<p:sldLayout xmlns:a="http://schemas.openxmlformats.org/drawingml/2006/main" xmlns:p="http://schemas.openxmlformats.org/presentationml/2006/main" xmlns:r="http://schemas.openxmlformats.org/officeDocument/2006/relationships" preserve="1" type="twoObjOverTx">
+<p:sldLayout xmlns:a="http://schemas.openxmlformats.org/drawingml/2006/main" xmlns:r="http://schemas.openxmlformats.org/officeDocument/2006/relationships" xmlns:p="http://schemas.openxmlformats.org/presentationml/2006/main" type="twoObjOverTx" preserve="1">
   <p:cSld name="Title, 2 Content over Content">
     <p:spTree>
       <p:nvGrpSpPr>
@@ -1133,7 +1297,8 @@
           </a:prstGeom>
         </p:spPr>
         <p:txBody>
-          <a:bodyPr anchor="ctr" bIns="0" lIns="0" rIns="0" tIns="0" wrap="none"/>
+          <a:bodyPr wrap="none" lIns="0" tIns="0" rIns="0" bIns="0" anchor="ctr"/>
+          <a:lstStyle/>
           <a:p>
             <a:endParaRPr/>
           </a:p>
@@ -1159,7 +1324,8 @@
           </a:prstGeom>
         </p:spPr>
         <p:txBody>
-          <a:bodyPr bIns="0" lIns="0" rIns="0" tIns="0" wrap="none"/>
+          <a:bodyPr wrap="none" lIns="0" tIns="0" rIns="0" bIns="0"/>
+          <a:lstStyle/>
           <a:p>
             <a:endParaRPr/>
           </a:p>
@@ -1185,7 +1351,8 @@
           </a:prstGeom>
         </p:spPr>
         <p:txBody>
-          <a:bodyPr bIns="0" lIns="0" rIns="0" tIns="0" wrap="none"/>
+          <a:bodyPr wrap="none" lIns="0" tIns="0" rIns="0" bIns="0"/>
+          <a:lstStyle/>
           <a:p>
             <a:endParaRPr/>
           </a:p>
@@ -1211,7 +1378,8 @@
           </a:prstGeom>
         </p:spPr>
         <p:txBody>
-          <a:bodyPr bIns="0" lIns="0" rIns="0" tIns="0" wrap="none"/>
+          <a:bodyPr wrap="none" lIns="0" tIns="0" rIns="0" bIns="0"/>
+          <a:lstStyle/>
           <a:p>
             <a:endParaRPr/>
           </a:p>
@@ -1219,11 +1387,14 @@
       </p:sp>
     </p:spTree>
   </p:cSld>
+  <p:clrMapOvr>
+    <a:masterClrMapping/>
+  </p:clrMapOvr>
 </p:sldLayout>
 </file>
 
 <file path=ppt/slideLayouts/slideLayout22.xml><?xml version="1.0" encoding="utf-8"?>
-<p:sldLayout xmlns:a="http://schemas.openxmlformats.org/drawingml/2006/main" xmlns:p="http://schemas.openxmlformats.org/presentationml/2006/main" xmlns:r="http://schemas.openxmlformats.org/officeDocument/2006/relationships" preserve="1" type="objOverTx">
+<p:sldLayout xmlns:a="http://schemas.openxmlformats.org/drawingml/2006/main" xmlns:r="http://schemas.openxmlformats.org/officeDocument/2006/relationships" xmlns:p="http://schemas.openxmlformats.org/presentationml/2006/main" type="objOverTx" preserve="1">
   <p:cSld name="Title, Content over Content">
     <p:spTree>
       <p:nvGrpSpPr>
@@ -1259,7 +1430,8 @@
           </a:prstGeom>
         </p:spPr>
         <p:txBody>
-          <a:bodyPr anchor="ctr" bIns="0" lIns="0" rIns="0" tIns="0" wrap="none"/>
+          <a:bodyPr wrap="none" lIns="0" tIns="0" rIns="0" bIns="0" anchor="ctr"/>
+          <a:lstStyle/>
           <a:p>
             <a:endParaRPr/>
           </a:p>
@@ -1285,7 +1457,8 @@
           </a:prstGeom>
         </p:spPr>
         <p:txBody>
-          <a:bodyPr bIns="0" lIns="0" rIns="0" tIns="0" wrap="none"/>
+          <a:bodyPr wrap="none" lIns="0" tIns="0" rIns="0" bIns="0"/>
+          <a:lstStyle/>
           <a:p>
             <a:endParaRPr/>
           </a:p>
@@ -1311,7 +1484,8 @@
           </a:prstGeom>
         </p:spPr>
         <p:txBody>
-          <a:bodyPr bIns="0" lIns="0" rIns="0" tIns="0" wrap="none"/>
+          <a:bodyPr wrap="none" lIns="0" tIns="0" rIns="0" bIns="0"/>
+          <a:lstStyle/>
           <a:p>
             <a:endParaRPr/>
           </a:p>
@@ -1319,11 +1493,14 @@
       </p:sp>
     </p:spTree>
   </p:cSld>
+  <p:clrMapOvr>
+    <a:masterClrMapping/>
+  </p:clrMapOvr>
 </p:sldLayout>
 </file>
 
 <file path=ppt/slideLayouts/slideLayout23.xml><?xml version="1.0" encoding="utf-8"?>
-<p:sldLayout xmlns:a="http://schemas.openxmlformats.org/drawingml/2006/main" xmlns:p="http://schemas.openxmlformats.org/presentationml/2006/main" xmlns:r="http://schemas.openxmlformats.org/officeDocument/2006/relationships" preserve="1" type="fourObj">
+<p:sldLayout xmlns:a="http://schemas.openxmlformats.org/drawingml/2006/main" xmlns:r="http://schemas.openxmlformats.org/officeDocument/2006/relationships" xmlns:p="http://schemas.openxmlformats.org/presentationml/2006/main" type="fourObj" preserve="1">
   <p:cSld name="Title, 4 Content">
     <p:spTree>
       <p:nvGrpSpPr>
@@ -1359,7 +1536,8 @@
           </a:prstGeom>
         </p:spPr>
         <p:txBody>
-          <a:bodyPr anchor="ctr" bIns="0" lIns="0" rIns="0" tIns="0" wrap="none"/>
+          <a:bodyPr wrap="none" lIns="0" tIns="0" rIns="0" bIns="0" anchor="ctr"/>
+          <a:lstStyle/>
           <a:p>
             <a:endParaRPr/>
           </a:p>
@@ -1385,7 +1563,8 @@
           </a:prstGeom>
         </p:spPr>
         <p:txBody>
-          <a:bodyPr bIns="0" lIns="0" rIns="0" tIns="0" wrap="none"/>
+          <a:bodyPr wrap="none" lIns="0" tIns="0" rIns="0" bIns="0"/>
+          <a:lstStyle/>
           <a:p>
             <a:endParaRPr/>
           </a:p>
@@ -1411,7 +1590,8 @@
           </a:prstGeom>
         </p:spPr>
         <p:txBody>
-          <a:bodyPr bIns="0" lIns="0" rIns="0" tIns="0" wrap="none"/>
+          <a:bodyPr wrap="none" lIns="0" tIns="0" rIns="0" bIns="0"/>
+          <a:lstStyle/>
           <a:p>
             <a:endParaRPr/>
           </a:p>
@@ -1437,7 +1617,8 @@
           </a:prstGeom>
         </p:spPr>
         <p:txBody>
-          <a:bodyPr bIns="0" lIns="0" rIns="0" tIns="0" wrap="none"/>
+          <a:bodyPr wrap="none" lIns="0" tIns="0" rIns="0" bIns="0"/>
+          <a:lstStyle/>
           <a:p>
             <a:endParaRPr/>
           </a:p>
@@ -1463,7 +1644,8 @@
           </a:prstGeom>
         </p:spPr>
         <p:txBody>
-          <a:bodyPr bIns="0" lIns="0" rIns="0" tIns="0" wrap="none"/>
+          <a:bodyPr wrap="none" lIns="0" tIns="0" rIns="0" bIns="0"/>
+          <a:lstStyle/>
           <a:p>
             <a:endParaRPr/>
           </a:p>
@@ -1471,11 +1653,14 @@
       </p:sp>
     </p:spTree>
   </p:cSld>
+  <p:clrMapOvr>
+    <a:masterClrMapping/>
+  </p:clrMapOvr>
 </p:sldLayout>
 </file>
 
 <file path=ppt/slideLayouts/slideLayout24.xml><?xml version="1.0" encoding="utf-8"?>
-<p:sldLayout xmlns:a="http://schemas.openxmlformats.org/drawingml/2006/main" xmlns:p="http://schemas.openxmlformats.org/presentationml/2006/main" xmlns:r="http://schemas.openxmlformats.org/officeDocument/2006/relationships" preserve="1" type="blank">
+<p:sldLayout xmlns:a="http://schemas.openxmlformats.org/drawingml/2006/main" xmlns:r="http://schemas.openxmlformats.org/officeDocument/2006/relationships" xmlns:p="http://schemas.openxmlformats.org/presentationml/2006/main" type="blank" preserve="1">
   <p:cSld name="Title, 6 Content">
     <p:spTree>
       <p:nvGrpSpPr>
@@ -1511,7 +1696,8 @@
           </a:prstGeom>
         </p:spPr>
         <p:txBody>
-          <a:bodyPr anchor="ctr" bIns="0" lIns="0" rIns="0" tIns="0" wrap="none"/>
+          <a:bodyPr wrap="none" lIns="0" tIns="0" rIns="0" bIns="0" anchor="ctr"/>
+          <a:lstStyle/>
           <a:p>
             <a:endParaRPr/>
           </a:p>
@@ -1537,7 +1723,8 @@
           </a:prstGeom>
         </p:spPr>
         <p:txBody>
-          <a:bodyPr bIns="0" lIns="0" rIns="0" tIns="0" wrap="none"/>
+          <a:bodyPr wrap="none" lIns="0" tIns="0" rIns="0" bIns="0"/>
+          <a:lstStyle/>
           <a:p>
             <a:endParaRPr/>
           </a:p>
@@ -1563,7 +1750,8 @@
           </a:prstGeom>
         </p:spPr>
         <p:txBody>
-          <a:bodyPr bIns="0" lIns="0" rIns="0" tIns="0" wrap="none"/>
+          <a:bodyPr wrap="none" lIns="0" tIns="0" rIns="0" bIns="0"/>
+          <a:lstStyle/>
           <a:p>
             <a:endParaRPr/>
           </a:p>
@@ -1571,11 +1759,14 @@
       </p:sp>
     </p:spTree>
   </p:cSld>
+  <p:clrMapOvr>
+    <a:masterClrMapping/>
+  </p:clrMapOvr>
 </p:sldLayout>
 </file>
 
 <file path=ppt/slideLayouts/slideLayout3.xml><?xml version="1.0" encoding="utf-8"?>
-<p:sldLayout xmlns:a="http://schemas.openxmlformats.org/drawingml/2006/main" xmlns:p="http://schemas.openxmlformats.org/presentationml/2006/main" xmlns:r="http://schemas.openxmlformats.org/officeDocument/2006/relationships" preserve="1" type="obj">
+<p:sldLayout xmlns:a="http://schemas.openxmlformats.org/drawingml/2006/main" xmlns:r="http://schemas.openxmlformats.org/officeDocument/2006/relationships" xmlns:p="http://schemas.openxmlformats.org/presentationml/2006/main" type="obj" preserve="1">
   <p:cSld name="Title, Content">
     <p:spTree>
       <p:nvGrpSpPr>
@@ -1611,7 +1802,8 @@
           </a:prstGeom>
         </p:spPr>
         <p:txBody>
-          <a:bodyPr anchor="ctr" bIns="0" lIns="0" rIns="0" tIns="0" wrap="none"/>
+          <a:bodyPr wrap="none" lIns="0" tIns="0" rIns="0" bIns="0" anchor="ctr"/>
+          <a:lstStyle/>
           <a:p>
             <a:endParaRPr/>
           </a:p>
@@ -1637,7 +1829,8 @@
           </a:prstGeom>
         </p:spPr>
         <p:txBody>
-          <a:bodyPr bIns="0" lIns="0" rIns="0" tIns="0" wrap="none"/>
+          <a:bodyPr wrap="none" lIns="0" tIns="0" rIns="0" bIns="0"/>
+          <a:lstStyle/>
           <a:p>
             <a:endParaRPr/>
           </a:p>
@@ -1645,11 +1838,14 @@
       </p:sp>
     </p:spTree>
   </p:cSld>
+  <p:clrMapOvr>
+    <a:masterClrMapping/>
+  </p:clrMapOvr>
 </p:sldLayout>
 </file>
 
 <file path=ppt/slideLayouts/slideLayout4.xml><?xml version="1.0" encoding="utf-8"?>
-<p:sldLayout xmlns:a="http://schemas.openxmlformats.org/drawingml/2006/main" xmlns:p="http://schemas.openxmlformats.org/presentationml/2006/main" xmlns:r="http://schemas.openxmlformats.org/officeDocument/2006/relationships" preserve="1" type="twoObj">
+<p:sldLayout xmlns:a="http://schemas.openxmlformats.org/drawingml/2006/main" xmlns:r="http://schemas.openxmlformats.org/officeDocument/2006/relationships" xmlns:p="http://schemas.openxmlformats.org/presentationml/2006/main" type="twoObj" preserve="1">
   <p:cSld name="Title, 2 Content">
     <p:spTree>
       <p:nvGrpSpPr>
@@ -1685,7 +1881,8 @@
           </a:prstGeom>
         </p:spPr>
         <p:txBody>
-          <a:bodyPr anchor="ctr" bIns="0" lIns="0" rIns="0" tIns="0" wrap="none"/>
+          <a:bodyPr wrap="none" lIns="0" tIns="0" rIns="0" bIns="0" anchor="ctr"/>
+          <a:lstStyle/>
           <a:p>
             <a:endParaRPr/>
           </a:p>
@@ -1711,7 +1908,8 @@
           </a:prstGeom>
         </p:spPr>
         <p:txBody>
-          <a:bodyPr bIns="0" lIns="0" rIns="0" tIns="0" wrap="none"/>
+          <a:bodyPr wrap="none" lIns="0" tIns="0" rIns="0" bIns="0"/>
+          <a:lstStyle/>
           <a:p>
             <a:endParaRPr/>
           </a:p>
@@ -1737,7 +1935,8 @@
           </a:prstGeom>
         </p:spPr>
         <p:txBody>
-          <a:bodyPr bIns="0" lIns="0" rIns="0" tIns="0" wrap="none"/>
+          <a:bodyPr wrap="none" lIns="0" tIns="0" rIns="0" bIns="0"/>
+          <a:lstStyle/>
           <a:p>
             <a:endParaRPr/>
           </a:p>
@@ -1745,11 +1944,14 @@
       </p:sp>
     </p:spTree>
   </p:cSld>
+  <p:clrMapOvr>
+    <a:masterClrMapping/>
+  </p:clrMapOvr>
 </p:sldLayout>
 </file>
 
 <file path=ppt/slideLayouts/slideLayout5.xml><?xml version="1.0" encoding="utf-8"?>
-<p:sldLayout xmlns:a="http://schemas.openxmlformats.org/drawingml/2006/main" xmlns:p="http://schemas.openxmlformats.org/presentationml/2006/main" xmlns:r="http://schemas.openxmlformats.org/officeDocument/2006/relationships" preserve="1" type="titleOnly">
+<p:sldLayout xmlns:a="http://schemas.openxmlformats.org/drawingml/2006/main" xmlns:r="http://schemas.openxmlformats.org/officeDocument/2006/relationships" xmlns:p="http://schemas.openxmlformats.org/presentationml/2006/main" type="titleOnly" preserve="1">
   <p:cSld name="Title Only">
     <p:spTree>
       <p:nvGrpSpPr>
@@ -1785,7 +1987,8 @@
           </a:prstGeom>
         </p:spPr>
         <p:txBody>
-          <a:bodyPr anchor="ctr" bIns="0" lIns="0" rIns="0" tIns="0" wrap="none"/>
+          <a:bodyPr wrap="none" lIns="0" tIns="0" rIns="0" bIns="0" anchor="ctr"/>
+          <a:lstStyle/>
           <a:p>
             <a:endParaRPr/>
           </a:p>
@@ -1793,11 +1996,14 @@
       </p:sp>
     </p:spTree>
   </p:cSld>
+  <p:clrMapOvr>
+    <a:masterClrMapping/>
+  </p:clrMapOvr>
 </p:sldLayout>
 </file>
 
 <file path=ppt/slideLayouts/slideLayout6.xml><?xml version="1.0" encoding="utf-8"?>
-<p:sldLayout xmlns:a="http://schemas.openxmlformats.org/drawingml/2006/main" xmlns:p="http://schemas.openxmlformats.org/presentationml/2006/main" xmlns:r="http://schemas.openxmlformats.org/officeDocument/2006/relationships" preserve="1" type="objOnly">
+<p:sldLayout xmlns:a="http://schemas.openxmlformats.org/drawingml/2006/main" xmlns:r="http://schemas.openxmlformats.org/officeDocument/2006/relationships" xmlns:p="http://schemas.openxmlformats.org/presentationml/2006/main" type="objOnly" preserve="1">
   <p:cSld name="Centered Text">
     <p:spTree>
       <p:nvGrpSpPr>
@@ -1833,7 +2039,8 @@
           </a:prstGeom>
         </p:spPr>
         <p:txBody>
-          <a:bodyPr anchor="ctr" bIns="0" lIns="0" rIns="0" tIns="0" wrap="none"/>
+          <a:bodyPr wrap="none" lIns="0" tIns="0" rIns="0" bIns="0" anchor="ctr"/>
+          <a:lstStyle/>
           <a:p>
             <a:pPr algn="ctr"/>
             <a:endParaRPr/>
@@ -1842,11 +2049,14 @@
       </p:sp>
     </p:spTree>
   </p:cSld>
+  <p:clrMapOvr>
+    <a:masterClrMapping/>
+  </p:clrMapOvr>
 </p:sldLayout>
 </file>
 
 <file path=ppt/slideLayouts/slideLayout7.xml><?xml version="1.0" encoding="utf-8"?>
-<p:sldLayout xmlns:a="http://schemas.openxmlformats.org/drawingml/2006/main" xmlns:p="http://schemas.openxmlformats.org/presentationml/2006/main" xmlns:r="http://schemas.openxmlformats.org/officeDocument/2006/relationships" preserve="1" type="twoObjAndObj">
+<p:sldLayout xmlns:a="http://schemas.openxmlformats.org/drawingml/2006/main" xmlns:r="http://schemas.openxmlformats.org/officeDocument/2006/relationships" xmlns:p="http://schemas.openxmlformats.org/presentationml/2006/main" type="twoObjAndObj" preserve="1">
   <p:cSld name="Title, 2 Content and Content">
     <p:spTree>
       <p:nvGrpSpPr>
@@ -1882,7 +2092,8 @@
           </a:prstGeom>
         </p:spPr>
         <p:txBody>
-          <a:bodyPr anchor="ctr" bIns="0" lIns="0" rIns="0" tIns="0" wrap="none"/>
+          <a:bodyPr wrap="none" lIns="0" tIns="0" rIns="0" bIns="0" anchor="ctr"/>
+          <a:lstStyle/>
           <a:p>
             <a:endParaRPr/>
           </a:p>
@@ -1908,7 +2119,8 @@
           </a:prstGeom>
         </p:spPr>
         <p:txBody>
-          <a:bodyPr bIns="0" lIns="0" rIns="0" tIns="0" wrap="none"/>
+          <a:bodyPr wrap="none" lIns="0" tIns="0" rIns="0" bIns="0"/>
+          <a:lstStyle/>
           <a:p>
             <a:endParaRPr/>
           </a:p>
@@ -1934,7 +2146,8 @@
           </a:prstGeom>
         </p:spPr>
         <p:txBody>
-          <a:bodyPr bIns="0" lIns="0" rIns="0" tIns="0" wrap="none"/>
+          <a:bodyPr wrap="none" lIns="0" tIns="0" rIns="0" bIns="0"/>
+          <a:lstStyle/>
           <a:p>
             <a:endParaRPr/>
           </a:p>
@@ -1960,7 +2173,8 @@
           </a:prstGeom>
         </p:spPr>
         <p:txBody>
-          <a:bodyPr bIns="0" lIns="0" rIns="0" tIns="0" wrap="none"/>
+          <a:bodyPr wrap="none" lIns="0" tIns="0" rIns="0" bIns="0"/>
+          <a:lstStyle/>
           <a:p>
             <a:endParaRPr/>
           </a:p>
@@ -1968,11 +2182,14 @@
       </p:sp>
     </p:spTree>
   </p:cSld>
+  <p:clrMapOvr>
+    <a:masterClrMapping/>
+  </p:clrMapOvr>
 </p:sldLayout>
 </file>
 
 <file path=ppt/slideLayouts/slideLayout8.xml><?xml version="1.0" encoding="utf-8"?>
-<p:sldLayout xmlns:a="http://schemas.openxmlformats.org/drawingml/2006/main" xmlns:p="http://schemas.openxmlformats.org/presentationml/2006/main" xmlns:r="http://schemas.openxmlformats.org/officeDocument/2006/relationships" preserve="1" type="objAndTwoObj">
+<p:sldLayout xmlns:a="http://schemas.openxmlformats.org/drawingml/2006/main" xmlns:r="http://schemas.openxmlformats.org/officeDocument/2006/relationships" xmlns:p="http://schemas.openxmlformats.org/presentationml/2006/main" type="objAndTwoObj" preserve="1">
   <p:cSld name="Title Content and 2 Content">
     <p:spTree>
       <p:nvGrpSpPr>
@@ -2008,7 +2225,8 @@
           </a:prstGeom>
         </p:spPr>
         <p:txBody>
-          <a:bodyPr anchor="ctr" bIns="0" lIns="0" rIns="0" tIns="0" wrap="none"/>
+          <a:bodyPr wrap="none" lIns="0" tIns="0" rIns="0" bIns="0" anchor="ctr"/>
+          <a:lstStyle/>
           <a:p>
             <a:endParaRPr/>
           </a:p>
@@ -2034,7 +2252,8 @@
           </a:prstGeom>
         </p:spPr>
         <p:txBody>
-          <a:bodyPr bIns="0" lIns="0" rIns="0" tIns="0" wrap="none"/>
+          <a:bodyPr wrap="none" lIns="0" tIns="0" rIns="0" bIns="0"/>
+          <a:lstStyle/>
           <a:p>
             <a:endParaRPr/>
           </a:p>
@@ -2060,7 +2279,8 @@
           </a:prstGeom>
         </p:spPr>
         <p:txBody>
-          <a:bodyPr bIns="0" lIns="0" rIns="0" tIns="0" wrap="none"/>
+          <a:bodyPr wrap="none" lIns="0" tIns="0" rIns="0" bIns="0"/>
+          <a:lstStyle/>
           <a:p>
             <a:endParaRPr/>
           </a:p>
@@ -2086,7 +2306,8 @@
           </a:prstGeom>
         </p:spPr>
         <p:txBody>
-          <a:bodyPr bIns="0" lIns="0" rIns="0" tIns="0" wrap="none"/>
+          <a:bodyPr wrap="none" lIns="0" tIns="0" rIns="0" bIns="0"/>
+          <a:lstStyle/>
           <a:p>
             <a:endParaRPr/>
           </a:p>
@@ -2094,11 +2315,14 @@
       </p:sp>
     </p:spTree>
   </p:cSld>
+  <p:clrMapOvr>
+    <a:masterClrMapping/>
+  </p:clrMapOvr>
 </p:sldLayout>
 </file>
 
 <file path=ppt/slideLayouts/slideLayout9.xml><?xml version="1.0" encoding="utf-8"?>
-<p:sldLayout xmlns:a="http://schemas.openxmlformats.org/drawingml/2006/main" xmlns:p="http://schemas.openxmlformats.org/presentationml/2006/main" xmlns:r="http://schemas.openxmlformats.org/officeDocument/2006/relationships" preserve="1" type="twoObjOverTx">
+<p:sldLayout xmlns:a="http://schemas.openxmlformats.org/drawingml/2006/main" xmlns:r="http://schemas.openxmlformats.org/officeDocument/2006/relationships" xmlns:p="http://schemas.openxmlformats.org/presentationml/2006/main" type="twoObjOverTx" preserve="1">
   <p:cSld name="Title, 2 Content over Content">
     <p:spTree>
       <p:nvGrpSpPr>
@@ -2134,7 +2358,8 @@
           </a:prstGeom>
         </p:spPr>
         <p:txBody>
-          <a:bodyPr anchor="ctr" bIns="0" lIns="0" rIns="0" tIns="0" wrap="none"/>
+          <a:bodyPr wrap="none" lIns="0" tIns="0" rIns="0" bIns="0" anchor="ctr"/>
+          <a:lstStyle/>
           <a:p>
             <a:endParaRPr/>
           </a:p>
@@ -2160,7 +2385,8 @@
           </a:prstGeom>
         </p:spPr>
         <p:txBody>
-          <a:bodyPr bIns="0" lIns="0" rIns="0" tIns="0" wrap="none"/>
+          <a:bodyPr wrap="none" lIns="0" tIns="0" rIns="0" bIns="0"/>
+          <a:lstStyle/>
           <a:p>
             <a:endParaRPr/>
           </a:p>
@@ -2186,7 +2412,8 @@
           </a:prstGeom>
         </p:spPr>
         <p:txBody>
-          <a:bodyPr bIns="0" lIns="0" rIns="0" tIns="0" wrap="none"/>
+          <a:bodyPr wrap="none" lIns="0" tIns="0" rIns="0" bIns="0"/>
+          <a:lstStyle/>
           <a:p>
             <a:endParaRPr/>
           </a:p>
@@ -2212,7 +2439,8 @@
           </a:prstGeom>
         </p:spPr>
         <p:txBody>
-          <a:bodyPr bIns="0" lIns="0" rIns="0" tIns="0" wrap="none"/>
+          <a:bodyPr wrap="none" lIns="0" tIns="0" rIns="0" bIns="0"/>
+          <a:lstStyle/>
           <a:p>
             <a:endParaRPr/>
           </a:p>
@@ -2220,18 +2448,22 @@
       </p:sp>
     </p:spTree>
   </p:cSld>
+  <p:clrMapOvr>
+    <a:masterClrMapping/>
+  </p:clrMapOvr>
 </p:sldLayout>
 </file>
 
 <file path=ppt/slideMasters/slideMaster1.xml><?xml version="1.0" encoding="utf-8"?>
-<p:sldMaster xmlns:a="http://schemas.openxmlformats.org/drawingml/2006/main" xmlns:p="http://schemas.openxmlformats.org/presentationml/2006/main" xmlns:r="http://schemas.openxmlformats.org/officeDocument/2006/relationships">
+<p:sldMaster xmlns:a="http://schemas.openxmlformats.org/drawingml/2006/main" xmlns:r="http://schemas.openxmlformats.org/officeDocument/2006/relationships" xmlns:p="http://schemas.openxmlformats.org/presentationml/2006/main">
   <p:cSld>
     <p:bg>
       <p:bgPr>
         <a:blipFill>
-          <a:blip r:embed="rId2"/>
+          <a:blip r:embed="rId14"/>
           <a:tile/>
         </a:blipFill>
+        <a:effectLst/>
       </p:bgPr>
     </p:bg>
     <p:spTree>
@@ -2250,7 +2482,7 @@
       </p:grpSpPr>
       <p:sp>
         <p:nvSpPr>
-          <p:cNvPr id="0" name="PlaceHolder 1"/>
+          <p:cNvPr id="5" name="PlaceHolder 1"/>
           <p:cNvSpPr>
             <a:spLocks noGrp="1"/>
           </p:cNvSpPr>
@@ -2269,6 +2501,7 @@
         </p:spPr>
         <p:txBody>
           <a:bodyPr anchor="ctr"/>
+          <a:lstStyle/>
           <a:p>
             <a:pPr algn="ctr">
               <a:lnSpc>
@@ -2290,7 +2523,7 @@
       </p:sp>
       <p:sp>
         <p:nvSpPr>
-          <p:cNvPr id="1" name="PlaceHolder 2"/>
+          <p:cNvPr id="6" name="PlaceHolder 2"/>
           <p:cNvSpPr>
             <a:spLocks noGrp="1"/>
           </p:cNvSpPr>
@@ -2309,6 +2542,7 @@
         </p:spPr>
         <p:txBody>
           <a:bodyPr anchor="ctr"/>
+          <a:lstStyle/>
           <a:p>
             <a:pPr>
               <a:lnSpc>
@@ -2318,7 +2552,7 @@
             <a:r>
               <a:rPr lang="en-US" sz="1200">
                 <a:solidFill>
-                  <a:srgbClr val="8b8b8b"/>
+                  <a:srgbClr val="8B8B8B"/>
                 </a:solidFill>
                 <a:latin typeface="Calibri"/>
               </a:rPr>
@@ -2349,6 +2583,7 @@
         </p:spPr>
         <p:txBody>
           <a:bodyPr anchor="ctr"/>
+          <a:lstStyle/>
           <a:p>
             <a:endParaRPr/>
           </a:p>
@@ -2375,6 +2610,7 @@
         </p:spPr>
         <p:txBody>
           <a:bodyPr anchor="ctr"/>
+          <a:lstStyle/>
           <a:p>
             <a:pPr algn="r">
               <a:lnSpc>
@@ -2384,11 +2620,11 @@
             <a:fld id="{B63D3965-7F2F-4A0F-830F-11C9EA6B7AFE}" type="slidenum">
               <a:rPr lang="en-US" sz="1200">
                 <a:solidFill>
-                  <a:srgbClr val="8b8b8b"/>
-                </a:solidFill>
-                <a:latin typeface="Calibri"/>
-              </a:rPr>
-              <a:t>&lt;number&gt;</a:t>
+                  <a:srgbClr val="8B8B8B"/>
+                </a:solidFill>
+                <a:latin typeface="Calibri"/>
+              </a:rPr>
+              <a:t>‹#›</a:t>
             </a:fld>
             <a:endParaRPr/>
           </a:p>
@@ -2414,7 +2650,8 @@
           </a:prstGeom>
         </p:spPr>
         <p:txBody>
-          <a:bodyPr bIns="0" lIns="0" rIns="0" tIns="0" wrap="none"/>
+          <a:bodyPr wrap="none" lIns="0" tIns="0" rIns="0" bIns="0"/>
+          <a:lstStyle/>
           <a:p>
             <a:pPr>
               <a:buSzPct val="25000"/>
@@ -2503,33 +2740,39 @@
       </p:sp>
     </p:spTree>
   </p:cSld>
-  <p:clrMap accent1="accent1" accent2="accent2" accent3="accent3" accent4="accent4" accent5="accent5" accent6="accent6" bg1="lt1" bg2="lt2" folHlink="folHlink" hlink="hlink" tx1="dk1" tx2="dk2"/>
+  <p:clrMap bg1="lt1" tx1="dk1" bg2="lt2" tx2="dk2" accent1="accent1" accent2="accent2" accent3="accent3" accent4="accent4" accent5="accent5" accent6="accent6" hlink="hlink" folHlink="folHlink"/>
   <p:sldLayoutIdLst>
-    <p:sldLayoutId id="2147483649" r:id="rId3"/>
-    <p:sldLayoutId id="2147483650" r:id="rId4"/>
-    <p:sldLayoutId id="2147483651" r:id="rId5"/>
-    <p:sldLayoutId id="2147483652" r:id="rId6"/>
-    <p:sldLayoutId id="2147483653" r:id="rId7"/>
-    <p:sldLayoutId id="2147483654" r:id="rId8"/>
-    <p:sldLayoutId id="2147483655" r:id="rId9"/>
-    <p:sldLayoutId id="2147483656" r:id="rId10"/>
-    <p:sldLayoutId id="2147483657" r:id="rId11"/>
-    <p:sldLayoutId id="2147483658" r:id="rId12"/>
-    <p:sldLayoutId id="2147483659" r:id="rId13"/>
-    <p:sldLayoutId id="2147483660" r:id="rId14"/>
+    <p:sldLayoutId id="2147483649" r:id="rId1"/>
+    <p:sldLayoutId id="2147483650" r:id="rId2"/>
+    <p:sldLayoutId id="2147483651" r:id="rId3"/>
+    <p:sldLayoutId id="2147483652" r:id="rId4"/>
+    <p:sldLayoutId id="2147483653" r:id="rId5"/>
+    <p:sldLayoutId id="2147483654" r:id="rId6"/>
+    <p:sldLayoutId id="2147483655" r:id="rId7"/>
+    <p:sldLayoutId id="2147483656" r:id="rId8"/>
+    <p:sldLayoutId id="2147483657" r:id="rId9"/>
+    <p:sldLayoutId id="2147483658" r:id="rId10"/>
+    <p:sldLayoutId id="2147483659" r:id="rId11"/>
+    <p:sldLayoutId id="2147483660" r:id="rId12"/>
   </p:sldLayoutIdLst>
+  <p:txStyles>
+    <p:titleStyle/>
+    <p:bodyStyle/>
+    <p:otherStyle/>
+  </p:txStyles>
 </p:sldMaster>
 </file>
 
 <file path=ppt/slideMasters/slideMaster2.xml><?xml version="1.0" encoding="utf-8"?>
-<p:sldMaster xmlns:a="http://schemas.openxmlformats.org/drawingml/2006/main" xmlns:p="http://schemas.openxmlformats.org/presentationml/2006/main" xmlns:r="http://schemas.openxmlformats.org/officeDocument/2006/relationships">
+<p:sldMaster xmlns:a="http://schemas.openxmlformats.org/drawingml/2006/main" xmlns:r="http://schemas.openxmlformats.org/officeDocument/2006/relationships" xmlns:p="http://schemas.openxmlformats.org/presentationml/2006/main">
   <p:cSld>
     <p:bg>
       <p:bgPr>
         <a:blipFill>
-          <a:blip r:embed="rId2"/>
+          <a:blip r:embed="rId14"/>
           <a:tile/>
         </a:blipFill>
+        <a:effectLst/>
       </p:bgPr>
     </p:bg>
     <p:spTree>
@@ -2567,6 +2810,7 @@
         </p:spPr>
         <p:txBody>
           <a:bodyPr anchor="ctr"/>
+          <a:lstStyle/>
           <a:p>
             <a:pPr algn="ctr">
               <a:lnSpc>
@@ -2607,6 +2851,7 @@
         </p:spPr>
         <p:txBody>
           <a:bodyPr/>
+          <a:lstStyle/>
           <a:p>
             <a:pPr>
               <a:buSzPct val="25000"/>
@@ -2831,6 +3076,7 @@
         </p:spPr>
         <p:txBody>
           <a:bodyPr anchor="ctr"/>
+          <a:lstStyle/>
           <a:p>
             <a:pPr>
               <a:lnSpc>
@@ -2840,7 +3086,7 @@
             <a:r>
               <a:rPr lang="en-US" sz="1200">
                 <a:solidFill>
-                  <a:srgbClr val="8b8b8b"/>
+                  <a:srgbClr val="8B8B8B"/>
                 </a:solidFill>
                 <a:latin typeface="Calibri"/>
               </a:rPr>
@@ -2871,6 +3117,7 @@
         </p:spPr>
         <p:txBody>
           <a:bodyPr anchor="ctr"/>
+          <a:lstStyle/>
           <a:p>
             <a:endParaRPr/>
           </a:p>
@@ -2897,6 +3144,7 @@
         </p:spPr>
         <p:txBody>
           <a:bodyPr anchor="ctr"/>
+          <a:lstStyle/>
           <a:p>
             <a:pPr algn="r">
               <a:lnSpc>
@@ -2906,11 +3154,11 @@
             <a:fld id="{42AAEB0D-0EB5-4A7A-B60D-B71D0F5F21F3}" type="slidenum">
               <a:rPr lang="en-US" sz="1200">
                 <a:solidFill>
-                  <a:srgbClr val="8b8b8b"/>
-                </a:solidFill>
-                <a:latin typeface="Calibri"/>
-              </a:rPr>
-              <a:t>&lt;number&gt;</a:t>
+                  <a:srgbClr val="8B8B8B"/>
+                </a:solidFill>
+                <a:latin typeface="Calibri"/>
+              </a:rPr>
+              <a:t>‹#›</a:t>
             </a:fld>
             <a:endParaRPr/>
           </a:p>
@@ -2918,26 +3166,31 @@
       </p:sp>
     </p:spTree>
   </p:cSld>
-  <p:clrMap accent1="accent1" accent2="accent2" accent3="accent3" accent4="accent4" accent5="accent5" accent6="accent6" bg1="lt1" bg2="lt2" folHlink="folHlink" hlink="hlink" tx1="dk1" tx2="dk2"/>
+  <p:clrMap bg1="lt1" tx1="dk1" bg2="lt2" tx2="dk2" accent1="accent1" accent2="accent2" accent3="accent3" accent4="accent4" accent5="accent5" accent6="accent6" hlink="hlink" folHlink="folHlink"/>
   <p:sldLayoutIdLst>
-    <p:sldLayoutId id="2147483662" r:id="rId3"/>
-    <p:sldLayoutId id="2147483663" r:id="rId4"/>
-    <p:sldLayoutId id="2147483664" r:id="rId5"/>
-    <p:sldLayoutId id="2147483665" r:id="rId6"/>
-    <p:sldLayoutId id="2147483666" r:id="rId7"/>
-    <p:sldLayoutId id="2147483667" r:id="rId8"/>
-    <p:sldLayoutId id="2147483668" r:id="rId9"/>
-    <p:sldLayoutId id="2147483669" r:id="rId10"/>
-    <p:sldLayoutId id="2147483670" r:id="rId11"/>
-    <p:sldLayoutId id="2147483671" r:id="rId12"/>
-    <p:sldLayoutId id="2147483672" r:id="rId13"/>
-    <p:sldLayoutId id="2147483673" r:id="rId14"/>
+    <p:sldLayoutId id="2147483662" r:id="rId1"/>
+    <p:sldLayoutId id="2147483663" r:id="rId2"/>
+    <p:sldLayoutId id="2147483664" r:id="rId3"/>
+    <p:sldLayoutId id="2147483665" r:id="rId4"/>
+    <p:sldLayoutId id="2147483666" r:id="rId5"/>
+    <p:sldLayoutId id="2147483667" r:id="rId6"/>
+    <p:sldLayoutId id="2147483668" r:id="rId7"/>
+    <p:sldLayoutId id="2147483669" r:id="rId8"/>
+    <p:sldLayoutId id="2147483670" r:id="rId9"/>
+    <p:sldLayoutId id="2147483671" r:id="rId10"/>
+    <p:sldLayoutId id="2147483672" r:id="rId11"/>
+    <p:sldLayoutId id="2147483673" r:id="rId12"/>
   </p:sldLayoutIdLst>
+  <p:txStyles>
+    <p:titleStyle/>
+    <p:bodyStyle/>
+    <p:otherStyle/>
+  </p:txStyles>
 </p:sldMaster>
 </file>
 
 <file path=ppt/slides/slide1.xml><?xml version="1.0" encoding="utf-8"?>
-<p:sld xmlns:a="http://schemas.openxmlformats.org/drawingml/2006/main" xmlns:p="http://schemas.openxmlformats.org/presentationml/2006/main" xmlns:r="http://schemas.openxmlformats.org/officeDocument/2006/relationships">
+<p:sld xmlns:a="http://schemas.openxmlformats.org/drawingml/2006/main" xmlns:r="http://schemas.openxmlformats.org/officeDocument/2006/relationships" xmlns:p="http://schemas.openxmlformats.org/presentationml/2006/main">
   <p:cSld>
     <p:spTree>
       <p:nvGrpSpPr>
@@ -2970,6 +3223,7 @@
         </p:spPr>
         <p:txBody>
           <a:bodyPr anchor="ctr"/>
+          <a:lstStyle/>
           <a:p>
             <a:pPr algn="ctr">
               <a:lnSpc>
@@ -3006,6 +3260,7 @@
         </p:spPr>
         <p:txBody>
           <a:bodyPr/>
+          <a:lstStyle/>
           <a:p>
             <a:pPr algn="ctr">
               <a:lnSpc>
@@ -3015,7 +3270,7 @@
             <a:r>
               <a:rPr lang="en-US" sz="3200">
                 <a:solidFill>
-                  <a:srgbClr val="8b8b8b"/>
+                  <a:srgbClr val="8B8B8B"/>
                 </a:solidFill>
                 <a:latin typeface="Calibri"/>
               </a:rPr>
@@ -3032,7 +3287,7 @@
             <a:r>
               <a:rPr lang="en-US" sz="3200">
                 <a:solidFill>
-                  <a:srgbClr val="8b8b8b"/>
+                  <a:srgbClr val="8B8B8B"/>
                 </a:solidFill>
                 <a:latin typeface="Calibri"/>
               </a:rPr>
@@ -3049,7 +3304,7 @@
             <a:r>
               <a:rPr lang="en-US" sz="3200">
                 <a:solidFill>
-                  <a:srgbClr val="8b8b8b"/>
+                  <a:srgbClr val="8B8B8B"/>
                 </a:solidFill>
                 <a:latin typeface="Calibri"/>
               </a:rPr>
@@ -3066,7 +3321,7 @@
             <a:r>
               <a:rPr lang="en-US" sz="3200">
                 <a:solidFill>
-                  <a:srgbClr val="8b8b8b"/>
+                  <a:srgbClr val="8B8B8B"/>
                 </a:solidFill>
                 <a:latin typeface="Calibri"/>
               </a:rPr>
@@ -3078,11 +3333,14 @@
       </p:sp>
     </p:spTree>
   </p:cSld>
+  <p:clrMapOvr>
+    <a:masterClrMapping/>
+  </p:clrMapOvr>
 </p:sld>
 </file>
 
 <file path=ppt/slides/slide10.xml><?xml version="1.0" encoding="utf-8"?>
-<p:sld xmlns:a="http://schemas.openxmlformats.org/drawingml/2006/main" xmlns:p="http://schemas.openxmlformats.org/presentationml/2006/main" xmlns:r="http://schemas.openxmlformats.org/officeDocument/2006/relationships">
+<p:sld xmlns:a="http://schemas.openxmlformats.org/drawingml/2006/main" xmlns:r="http://schemas.openxmlformats.org/officeDocument/2006/relationships" xmlns:p="http://schemas.openxmlformats.org/presentationml/2006/main">
   <p:cSld>
     <p:spTree>
       <p:nvGrpSpPr>
@@ -3115,6 +3373,7 @@
         </p:spPr>
         <p:txBody>
           <a:bodyPr anchor="ctr"/>
+          <a:lstStyle/>
           <a:p>
             <a:pPr algn="ctr">
               <a:lnSpc>
@@ -3151,6 +3410,7 @@
         </p:spPr>
         <p:txBody>
           <a:bodyPr/>
+          <a:lstStyle/>
           <a:p>
             <a:pPr>
               <a:lnSpc>
@@ -3182,11 +3442,14 @@
       </p:sp>
     </p:spTree>
   </p:cSld>
+  <p:clrMapOvr>
+    <a:masterClrMapping/>
+  </p:clrMapOvr>
 </p:sld>
 </file>
 
 <file path=ppt/slides/slide11.xml><?xml version="1.0" encoding="utf-8"?>
-<p:sld xmlns:a="http://schemas.openxmlformats.org/drawingml/2006/main" xmlns:p="http://schemas.openxmlformats.org/presentationml/2006/main" xmlns:r="http://schemas.openxmlformats.org/officeDocument/2006/relationships">
+<p:sld xmlns:a="http://schemas.openxmlformats.org/drawingml/2006/main" xmlns:r="http://schemas.openxmlformats.org/officeDocument/2006/relationships" xmlns:p="http://schemas.openxmlformats.org/presentationml/2006/main">
   <p:cSld>
     <p:spTree>
       <p:nvGrpSpPr>
@@ -3219,6 +3482,7 @@
         </p:spPr>
         <p:txBody>
           <a:bodyPr anchor="ctr"/>
+          <a:lstStyle/>
           <a:p>
             <a:pPr algn="ctr">
               <a:lnSpc>
@@ -3226,15 +3490,24 @@
               </a:lnSpc>
             </a:pPr>
             <a:r>
-              <a:rPr lang="en-US" sz="4400">
-                <a:solidFill>
-                  <a:srgbClr val="000000"/>
-                </a:solidFill>
-                <a:latin typeface="Calibri"/>
-              </a:rPr>
-              <a:t>Calendar Addition</a:t>
-            </a:r>
-            <a:endParaRPr/>
+              <a:rPr lang="en-US" sz="4400" dirty="0">
+                <a:solidFill>
+                  <a:srgbClr val="000000"/>
+                </a:solidFill>
+                <a:latin typeface="Calibri"/>
+              </a:rPr>
+              <a:t>Calendar </a:t>
+            </a:r>
+            <a:r>
+              <a:rPr lang="en-US" sz="4400" dirty="0" smtClean="0">
+                <a:solidFill>
+                  <a:srgbClr val="000000"/>
+                </a:solidFill>
+                <a:latin typeface="Calibri"/>
+              </a:rPr>
+              <a:t>Additions</a:t>
+            </a:r>
+            <a:endParaRPr dirty="0"/>
           </a:p>
         </p:txBody>
       </p:sp>
@@ -3255,6 +3528,7 @@
         </p:spPr>
         <p:txBody>
           <a:bodyPr/>
+          <a:lstStyle/>
           <a:p>
             <a:pPr>
               <a:lnSpc>
@@ -3264,7 +3538,7 @@
               <a:buChar char="•"/>
             </a:pPr>
             <a:r>
-              <a:rPr lang="en-US" sz="3200">
+              <a:rPr lang="en-US" sz="3200" dirty="0">
                 <a:solidFill>
                   <a:srgbClr val="000000"/>
                 </a:solidFill>
@@ -3272,7 +3546,7 @@
               </a:rPr>
               <a:t>Populates events from database</a:t>
             </a:r>
-            <a:endParaRPr/>
+            <a:endParaRPr dirty="0"/>
           </a:p>
           <a:p>
             <a:pPr>
@@ -3283,7 +3557,7 @@
               <a:buChar char="•"/>
             </a:pPr>
             <a:r>
-              <a:rPr lang="en-US" sz="3200">
+              <a:rPr lang="en-US" sz="3200" dirty="0">
                 <a:solidFill>
                   <a:srgbClr val="000000"/>
                 </a:solidFill>
@@ -3291,7 +3565,7 @@
               </a:rPr>
               <a:t>Real Car Availability:</a:t>
             </a:r>
-            <a:endParaRPr/>
+            <a:endParaRPr dirty="0"/>
           </a:p>
           <a:p>
             <a:pPr lvl="1">
@@ -3303,7 +3577,7 @@
               <a:buChar char=""/>
             </a:pPr>
             <a:r>
-              <a:rPr lang="en-US" sz="2800">
+              <a:rPr lang="en-US" sz="2800" dirty="0">
                 <a:solidFill>
                   <a:srgbClr val="000000"/>
                 </a:solidFill>
@@ -3311,7 +3585,7 @@
               </a:rPr>
               <a:t>Shown by event color</a:t>
             </a:r>
-            <a:endParaRPr/>
+            <a:endParaRPr dirty="0"/>
           </a:p>
           <a:p>
             <a:pPr lvl="2">
@@ -3323,7 +3597,7 @@
               <a:buChar char=""/>
             </a:pPr>
             <a:r>
-              <a:rPr lang="en-US" sz="2400">
+              <a:rPr lang="en-US" sz="2400" dirty="0">
                 <a:solidFill>
                   <a:srgbClr val="000000"/>
                 </a:solidFill>
@@ -3331,7 +3605,7 @@
               </a:rPr>
               <a:t>Four cars, four colors:</a:t>
             </a:r>
-            <a:endParaRPr/>
+            <a:endParaRPr dirty="0"/>
           </a:p>
           <a:p>
             <a:pPr lvl="3">
@@ -3343,28 +3617,40 @@
               <a:buChar char=""/>
             </a:pPr>
             <a:r>
-              <a:rPr lang="en-US" sz="2000">
-                <a:solidFill>
-                  <a:srgbClr val="000000"/>
-                </a:solidFill>
-                <a:latin typeface="Calibri"/>
-              </a:rPr>
-              <a:t>Blue, Purple, Red, Yellow</a:t>
-            </a:r>
-            <a:endParaRPr/>
-          </a:p>
-          <a:p>
-            <a:endParaRPr/>
+              <a:rPr lang="en-US" sz="2000" dirty="0">
+                <a:solidFill>
+                  <a:srgbClr val="000000"/>
+                </a:solidFill>
+                <a:latin typeface="Calibri"/>
+              </a:rPr>
+              <a:t>Blue, Purple, Red, </a:t>
+            </a:r>
+            <a:r>
+              <a:rPr lang="en-US" sz="2000" dirty="0" smtClean="0">
+                <a:solidFill>
+                  <a:srgbClr val="000000"/>
+                </a:solidFill>
+                <a:latin typeface="Calibri"/>
+              </a:rPr>
+              <a:t>Green</a:t>
+            </a:r>
+            <a:endParaRPr dirty="0"/>
+          </a:p>
+          <a:p>
+            <a:endParaRPr dirty="0"/>
           </a:p>
         </p:txBody>
       </p:sp>
     </p:spTree>
   </p:cSld>
+  <p:clrMapOvr>
+    <a:masterClrMapping/>
+  </p:clrMapOvr>
 </p:sld>
 </file>
 
 <file path=ppt/slides/slide12.xml><?xml version="1.0" encoding="utf-8"?>
-<p:sld xmlns:a="http://schemas.openxmlformats.org/drawingml/2006/main" xmlns:p="http://schemas.openxmlformats.org/presentationml/2006/main" xmlns:r="http://schemas.openxmlformats.org/officeDocument/2006/relationships">
+<p:sld xmlns:a="http://schemas.openxmlformats.org/drawingml/2006/main" xmlns:r="http://schemas.openxmlformats.org/officeDocument/2006/relationships" xmlns:p="http://schemas.openxmlformats.org/presentationml/2006/main">
   <p:cSld>
     <p:spTree>
       <p:nvGrpSpPr>
@@ -3397,6 +3683,7 @@
         </p:spPr>
         <p:txBody>
           <a:bodyPr anchor="ctr"/>
+          <a:lstStyle/>
           <a:p>
             <a:pPr algn="ctr">
               <a:lnSpc>
@@ -3433,62 +3720,74 @@
         </p:spPr>
         <p:txBody>
           <a:bodyPr/>
+          <a:lstStyle/>
           <a:p>
             <a:pPr>
               <a:buSzPct val="25000"/>
-              <a:buFont typeface="StarSymbol"/>
-              <a:buChar char=""/>
-            </a:pPr>
-            <a:r>
-              <a:rPr lang="en-US"/>
+            </a:pPr>
+            <a:r>
+              <a:rPr lang="en-US" sz="3200" dirty="0">
+                <a:latin typeface="Calibri"/>
+                <a:cs typeface="Calibri"/>
+              </a:rPr>
               <a:t>PHP functions to pull available car/driver combinations.</a:t>
             </a:r>
-            <a:endParaRPr/>
+            <a:endParaRPr sz="3200" dirty="0">
+              <a:latin typeface="Calibri"/>
+              <a:cs typeface="Calibri"/>
+            </a:endParaRPr>
           </a:p>
           <a:p>
             <a:pPr lvl="1">
               <a:buSzPct val="25000"/>
-              <a:buFont typeface="StarSymbol"/>
-              <a:buChar char=""/>
-            </a:pPr>
-            <a:r>
-              <a:rPr lang="en-US"/>
+            </a:pPr>
+            <a:r>
+              <a:rPr lang="en-US" dirty="0"/>
               <a:t>Checks all previously made reservations that have overlapping times with the current reservation to find any conflicts and construct lists of free drivers and cars.</a:t>
             </a:r>
-            <a:endParaRPr/>
+            <a:endParaRPr dirty="0"/>
           </a:p>
           <a:p>
             <a:pPr lvl="1">
               <a:buSzPct val="25000"/>
-              <a:buFont typeface="StarSymbol"/>
-              <a:buChar char=""/>
-            </a:pPr>
-            <a:r>
-              <a:rPr lang="en-US"/>
-              <a:t>If requested car and driver are available, they are assigned to the reservation, if they are not, a car and/or driver are chosen from random from the list of those still available.</a:t>
-            </a:r>
-            <a:endParaRPr/>
+            </a:pPr>
+            <a:r>
+              <a:rPr lang="en-US" dirty="0" smtClean="0"/>
+              <a:t>If</a:t>
+            </a:r>
+            <a:r>
+              <a:rPr lang="en-US" dirty="0" smtClean="0"/>
+              <a:t> </a:t>
+            </a:r>
+            <a:r>
+              <a:rPr lang="en-US" dirty="0"/>
+              <a:t>requested car and driver are available, they are assigned to the reservation, if they are not, a car and/or driver are chosen from random from the list of those still available.</a:t>
+            </a:r>
+            <a:endParaRPr dirty="0"/>
           </a:p>
         </p:txBody>
       </p:sp>
     </p:spTree>
   </p:cSld>
+  <p:clrMapOvr>
+    <a:masterClrMapping/>
+  </p:clrMapOvr>
   <p:timing>
     <p:tnLst>
       <p:par>
-        <p:cTn dur="indefinite" id="1" nodeType="tmRoot" restart="never">
+        <p:cTn xmlns:p14="http://schemas.microsoft.com/office/powerpoint/2010/main" id="1" dur="indefinite" restart="never" nodeType="tmRoot">
           <p:childTnLst>
             <p:seq>
               <p:cTn id="2" nodeType="mainSeq"/>
               <p:prevCondLst>
-                <p:cond delay="0" evt="onPrev">
+                <p:cond evt="onPrev" delay="0">
                   <p:tgtEl>
                     <p:sldTgt/>
                   </p:tgtEl>
                 </p:cond>
               </p:prevCondLst>
               <p:nextCondLst>
-                <p:cond delay="0" evt="onNext">
+                <p:cond evt="onNext" delay="0">
                   <p:tgtEl>
                     <p:sldTgt/>
                   </p:tgtEl>
@@ -3504,7 +3803,7 @@
 </file>
 
 <file path=ppt/slides/slide13.xml><?xml version="1.0" encoding="utf-8"?>
-<p:sld xmlns:a="http://schemas.openxmlformats.org/drawingml/2006/main" xmlns:p="http://schemas.openxmlformats.org/presentationml/2006/main" xmlns:r="http://schemas.openxmlformats.org/officeDocument/2006/relationships">
+<p:sld xmlns:a="http://schemas.openxmlformats.org/drawingml/2006/main" xmlns:r="http://schemas.openxmlformats.org/officeDocument/2006/relationships" xmlns:p="http://schemas.openxmlformats.org/presentationml/2006/main">
   <p:cSld>
     <p:spTree>
       <p:nvGrpSpPr>
@@ -3537,6 +3836,7 @@
         </p:spPr>
         <p:txBody>
           <a:bodyPr anchor="ctr"/>
+          <a:lstStyle/>
           <a:p>
             <a:pPr algn="ctr">
               <a:lnSpc>
@@ -3573,6 +3873,7 @@
         </p:spPr>
         <p:txBody>
           <a:bodyPr/>
+          <a:lstStyle/>
           <a:p>
             <a:r>
               <a:rPr lang="en-US" sz="2800">
@@ -3672,11 +3973,14 @@
       </p:sp>
     </p:spTree>
   </p:cSld>
+  <p:clrMapOvr>
+    <a:masterClrMapping/>
+  </p:clrMapOvr>
 </p:sld>
 </file>
 
 <file path=ppt/slides/slide14.xml><?xml version="1.0" encoding="utf-8"?>
-<p:sld xmlns:a="http://schemas.openxmlformats.org/drawingml/2006/main" xmlns:p="http://schemas.openxmlformats.org/presentationml/2006/main" xmlns:r="http://schemas.openxmlformats.org/officeDocument/2006/relationships">
+<p:sld xmlns:a="http://schemas.openxmlformats.org/drawingml/2006/main" xmlns:r="http://schemas.openxmlformats.org/officeDocument/2006/relationships" xmlns:p="http://schemas.openxmlformats.org/presentationml/2006/main">
   <p:cSld>
     <p:spTree>
       <p:nvGrpSpPr>
@@ -3709,6 +4013,7 @@
         </p:spPr>
         <p:txBody>
           <a:bodyPr anchor="ctr"/>
+          <a:lstStyle/>
           <a:p>
             <a:pPr algn="ctr">
               <a:lnSpc>
@@ -3745,6 +4050,7 @@
         </p:spPr>
         <p:txBody>
           <a:bodyPr/>
+          <a:lstStyle/>
           <a:p>
             <a:pPr>
               <a:lnSpc>
@@ -3831,11 +4137,14 @@
       </p:sp>
     </p:spTree>
   </p:cSld>
+  <p:clrMapOvr>
+    <a:masterClrMapping/>
+  </p:clrMapOvr>
 </p:sld>
 </file>
 
 <file path=ppt/slides/slide15.xml><?xml version="1.0" encoding="utf-8"?>
-<p:sld xmlns:a="http://schemas.openxmlformats.org/drawingml/2006/main" xmlns:p="http://schemas.openxmlformats.org/presentationml/2006/main" xmlns:r="http://schemas.openxmlformats.org/officeDocument/2006/relationships">
+<p:sld xmlns:a="http://schemas.openxmlformats.org/drawingml/2006/main" xmlns:r="http://schemas.openxmlformats.org/officeDocument/2006/relationships" xmlns:p="http://schemas.openxmlformats.org/presentationml/2006/main">
   <p:cSld>
     <p:spTree>
       <p:nvGrpSpPr>
@@ -3868,6 +4177,7 @@
         </p:spPr>
         <p:txBody>
           <a:bodyPr anchor="ctr"/>
+          <a:lstStyle/>
           <a:p>
             <a:pPr algn="ctr">
               <a:lnSpc>
@@ -3904,6 +4214,7 @@
         </p:spPr>
         <p:txBody>
           <a:bodyPr/>
+          <a:lstStyle/>
           <a:p>
             <a:pPr>
               <a:lnSpc>
@@ -3913,7 +4224,7 @@
               <a:buChar char="•"/>
             </a:pPr>
             <a:r>
-              <a:rPr lang="en-US" sz="3200">
+              <a:rPr lang="en-US" sz="3200" dirty="0">
                 <a:solidFill>
                   <a:srgbClr val="000000"/>
                 </a:solidFill>
@@ -3921,7 +4232,7 @@
               </a:rPr>
               <a:t>Refactor Database schemas</a:t>
             </a:r>
-            <a:endParaRPr/>
+            <a:endParaRPr dirty="0"/>
           </a:p>
           <a:p>
             <a:pPr>
@@ -3932,28 +4243,55 @@
               <a:buChar char="•"/>
             </a:pPr>
             <a:r>
-              <a:rPr lang="en-US" sz="3200">
-                <a:solidFill>
-                  <a:srgbClr val="000000"/>
-                </a:solidFill>
-                <a:latin typeface="Calibri"/>
-              </a:rPr>
-              <a:t>Additional Form Features</a:t>
-            </a:r>
-            <a:endParaRPr/>
-          </a:p>
-          <a:p>
-            <a:endParaRPr/>
+              <a:rPr lang="en-US" sz="3200" dirty="0">
+                <a:solidFill>
+                  <a:srgbClr val="000000"/>
+                </a:solidFill>
+                <a:latin typeface="Calibri"/>
+              </a:rPr>
+              <a:t>Additional Form </a:t>
+            </a:r>
+            <a:r>
+              <a:rPr lang="en-US" sz="3200" dirty="0" smtClean="0">
+                <a:solidFill>
+                  <a:srgbClr val="000000"/>
+                </a:solidFill>
+                <a:latin typeface="Calibri"/>
+              </a:rPr>
+              <a:t>Features</a:t>
+            </a:r>
+          </a:p>
+          <a:p>
+            <a:pPr lvl="1">
+              <a:buFont typeface="Arial"/>
+              <a:buChar char="•"/>
+            </a:pPr>
+            <a:r>
+              <a:rPr lang="en-US" dirty="0" smtClean="0">
+                <a:solidFill>
+                  <a:srgbClr val="000000"/>
+                </a:solidFill>
+                <a:latin typeface="Calibri"/>
+              </a:rPr>
+              <a:t>Dependent on Custom</a:t>
+            </a:r>
+            <a:endParaRPr dirty="0"/>
+          </a:p>
+          <a:p>
+            <a:endParaRPr dirty="0"/>
           </a:p>
         </p:txBody>
       </p:sp>
     </p:spTree>
   </p:cSld>
+  <p:clrMapOvr>
+    <a:masterClrMapping/>
+  </p:clrMapOvr>
 </p:sld>
 </file>
 
 <file path=ppt/slides/slide2.xml><?xml version="1.0" encoding="utf-8"?>
-<p:sld xmlns:a="http://schemas.openxmlformats.org/drawingml/2006/main" xmlns:p="http://schemas.openxmlformats.org/presentationml/2006/main" xmlns:r="http://schemas.openxmlformats.org/officeDocument/2006/relationships">
+<p:sld xmlns:a="http://schemas.openxmlformats.org/drawingml/2006/main" xmlns:r="http://schemas.openxmlformats.org/officeDocument/2006/relationships" xmlns:p="http://schemas.openxmlformats.org/presentationml/2006/main">
   <p:cSld>
     <p:spTree>
       <p:nvGrpSpPr>
@@ -3986,6 +4324,7 @@
         </p:spPr>
         <p:txBody>
           <a:bodyPr anchor="ctr"/>
+          <a:lstStyle/>
           <a:p>
             <a:pPr algn="ctr">
               <a:lnSpc>
@@ -4022,6 +4361,7 @@
         </p:spPr>
         <p:txBody>
           <a:bodyPr/>
+          <a:lstStyle/>
           <a:p>
             <a:pPr>
               <a:lnSpc>
@@ -4046,11 +4386,14 @@
       </p:sp>
     </p:spTree>
   </p:cSld>
+  <p:clrMapOvr>
+    <a:masterClrMapping/>
+  </p:clrMapOvr>
 </p:sld>
 </file>
 
 <file path=ppt/slides/slide3.xml><?xml version="1.0" encoding="utf-8"?>
-<p:sld xmlns:a="http://schemas.openxmlformats.org/drawingml/2006/main" xmlns:p="http://schemas.openxmlformats.org/presentationml/2006/main" xmlns:r="http://schemas.openxmlformats.org/officeDocument/2006/relationships">
+<p:sld xmlns:a="http://schemas.openxmlformats.org/drawingml/2006/main" xmlns:r="http://schemas.openxmlformats.org/officeDocument/2006/relationships" xmlns:p="http://schemas.openxmlformats.org/presentationml/2006/main">
   <p:cSld>
     <p:spTree>
       <p:nvGrpSpPr>
@@ -4083,6 +4426,7 @@
         </p:spPr>
         <p:txBody>
           <a:bodyPr anchor="ctr"/>
+          <a:lstStyle/>
           <a:p>
             <a:pPr algn="ctr">
               <a:lnSpc>
@@ -4119,6 +4463,7 @@
         </p:spPr>
         <p:txBody>
           <a:bodyPr/>
+          <a:lstStyle/>
           <a:p>
             <a:pPr>
               <a:lnSpc>
@@ -4228,11 +4573,14 @@
       </p:sp>
     </p:spTree>
   </p:cSld>
+  <p:clrMapOvr>
+    <a:masterClrMapping/>
+  </p:clrMapOvr>
 </p:sld>
 </file>
 
 <file path=ppt/slides/slide4.xml><?xml version="1.0" encoding="utf-8"?>
-<p:sld xmlns:a="http://schemas.openxmlformats.org/drawingml/2006/main" xmlns:p="http://schemas.openxmlformats.org/presentationml/2006/main" xmlns:r="http://schemas.openxmlformats.org/officeDocument/2006/relationships">
+<p:sld xmlns:a="http://schemas.openxmlformats.org/drawingml/2006/main" xmlns:r="http://schemas.openxmlformats.org/officeDocument/2006/relationships" xmlns:p="http://schemas.openxmlformats.org/presentationml/2006/main">
   <p:cSld>
     <p:spTree>
       <p:nvGrpSpPr>
@@ -4265,6 +4613,7 @@
         </p:spPr>
         <p:txBody>
           <a:bodyPr anchor="ctr"/>
+          <a:lstStyle/>
           <a:p>
             <a:pPr algn="ctr">
               <a:lnSpc>
@@ -4301,6 +4650,7 @@
         </p:spPr>
         <p:txBody>
           <a:bodyPr/>
+          <a:lstStyle/>
           <a:p>
             <a:pPr>
               <a:lnSpc>
@@ -4467,11 +4817,14 @@
       </p:sp>
     </p:spTree>
   </p:cSld>
+  <p:clrMapOvr>
+    <a:masterClrMapping/>
+  </p:clrMapOvr>
 </p:sld>
 </file>
 
 <file path=ppt/slides/slide5.xml><?xml version="1.0" encoding="utf-8"?>
-<p:sld xmlns:a="http://schemas.openxmlformats.org/drawingml/2006/main" xmlns:p="http://schemas.openxmlformats.org/presentationml/2006/main" xmlns:r="http://schemas.openxmlformats.org/officeDocument/2006/relationships">
+<p:sld xmlns:a="http://schemas.openxmlformats.org/drawingml/2006/main" xmlns:r="http://schemas.openxmlformats.org/officeDocument/2006/relationships" xmlns:p="http://schemas.openxmlformats.org/presentationml/2006/main">
   <p:cSld>
     <p:spTree>
       <p:nvGrpSpPr>
@@ -4504,6 +4857,7 @@
         </p:spPr>
         <p:txBody>
           <a:bodyPr anchor="ctr"/>
+          <a:lstStyle/>
           <a:p>
             <a:pPr algn="ctr">
               <a:lnSpc>
@@ -4540,6 +4894,7 @@
         </p:spPr>
         <p:txBody>
           <a:bodyPr/>
+          <a:lstStyle/>
           <a:p>
             <a:pPr>
               <a:lnSpc>
@@ -4620,11 +4975,14 @@
       </p:sp>
     </p:spTree>
   </p:cSld>
+  <p:clrMapOvr>
+    <a:masterClrMapping/>
+  </p:clrMapOvr>
 </p:sld>
 </file>
 
 <file path=ppt/slides/slide6.xml><?xml version="1.0" encoding="utf-8"?>
-<p:sld xmlns:a="http://schemas.openxmlformats.org/drawingml/2006/main" xmlns:p="http://schemas.openxmlformats.org/presentationml/2006/main" xmlns:r="http://schemas.openxmlformats.org/officeDocument/2006/relationships">
+<p:sld xmlns:a="http://schemas.openxmlformats.org/drawingml/2006/main" xmlns:r="http://schemas.openxmlformats.org/officeDocument/2006/relationships" xmlns:p="http://schemas.openxmlformats.org/presentationml/2006/main">
   <p:cSld>
     <p:spTree>
       <p:nvGrpSpPr>
@@ -4657,6 +5015,7 @@
         </p:spPr>
         <p:txBody>
           <a:bodyPr anchor="ctr"/>
+          <a:lstStyle/>
           <a:p>
             <a:pPr algn="ctr">
               <a:lnSpc>
@@ -4693,6 +5052,7 @@
         </p:spPr>
         <p:txBody>
           <a:bodyPr/>
+          <a:lstStyle/>
           <a:p>
             <a:pPr>
               <a:lnSpc>
@@ -4702,7 +5062,7 @@
               <a:buChar char="•"/>
             </a:pPr>
             <a:r>
-              <a:rPr lang="en-US" sz="3200">
+              <a:rPr lang="en-US" sz="3200" dirty="0">
                 <a:solidFill>
                   <a:srgbClr val="000000"/>
                 </a:solidFill>
@@ -4710,7 +5070,7 @@
               </a:rPr>
               <a:t>AutoFill Print Out Form</a:t>
             </a:r>
-            <a:endParaRPr/>
+            <a:endParaRPr dirty="0"/>
           </a:p>
           <a:p>
             <a:pPr lvl="1">
@@ -4722,15 +5082,24 @@
               <a:buChar char=""/>
             </a:pPr>
             <a:r>
-              <a:rPr lang="en-US" sz="2800">
-                <a:solidFill>
-                  <a:srgbClr val="000000"/>
-                </a:solidFill>
-                <a:latin typeface="Calibri"/>
-              </a:rPr>
-              <a:t>completed</a:t>
-            </a:r>
-            <a:endParaRPr/>
+              <a:rPr lang="en-US" sz="2800" dirty="0">
+                <a:solidFill>
+                  <a:srgbClr val="000000"/>
+                </a:solidFill>
+                <a:latin typeface="Calibri"/>
+              </a:rPr>
+              <a:t>C</a:t>
+            </a:r>
+            <a:r>
+              <a:rPr lang="en-US" sz="2800" dirty="0" smtClean="0">
+                <a:solidFill>
+                  <a:srgbClr val="000000"/>
+                </a:solidFill>
+                <a:latin typeface="Calibri"/>
+              </a:rPr>
+              <a:t>ompleted</a:t>
+            </a:r>
+            <a:endParaRPr dirty="0"/>
           </a:p>
           <a:p>
             <a:pPr>
@@ -4741,7 +5110,7 @@
               <a:buChar char="•"/>
             </a:pPr>
             <a:r>
-              <a:rPr lang="en-US" sz="3200">
+              <a:rPr lang="en-US" sz="3200" dirty="0">
                 <a:solidFill>
                   <a:srgbClr val="000000"/>
                 </a:solidFill>
@@ -4749,7 +5118,7 @@
               </a:rPr>
               <a:t>Populate Calendar</a:t>
             </a:r>
-            <a:endParaRPr/>
+            <a:endParaRPr dirty="0"/>
           </a:p>
           <a:p>
             <a:pPr lvl="1">
@@ -4761,15 +5130,24 @@
               <a:buChar char=""/>
             </a:pPr>
             <a:r>
-              <a:rPr lang="en-US" sz="2800">
-                <a:solidFill>
-                  <a:srgbClr val="000000"/>
-                </a:solidFill>
-                <a:latin typeface="Calibri"/>
-              </a:rPr>
-              <a:t>completed</a:t>
-            </a:r>
-            <a:endParaRPr/>
+              <a:rPr lang="en-US" sz="2800" dirty="0">
+                <a:solidFill>
+                  <a:srgbClr val="000000"/>
+                </a:solidFill>
+                <a:latin typeface="Calibri"/>
+              </a:rPr>
+              <a:t>C</a:t>
+            </a:r>
+            <a:r>
+              <a:rPr lang="en-US" sz="2800" dirty="0" smtClean="0">
+                <a:solidFill>
+                  <a:srgbClr val="000000"/>
+                </a:solidFill>
+                <a:latin typeface="Calibri"/>
+              </a:rPr>
+              <a:t>ompleted</a:t>
+            </a:r>
+            <a:endParaRPr dirty="0"/>
           </a:p>
           <a:p>
             <a:pPr>
@@ -4780,7 +5158,7 @@
               <a:buChar char="•"/>
             </a:pPr>
             <a:r>
-              <a:rPr lang="en-US" sz="3200">
+              <a:rPr lang="en-US" sz="3200" dirty="0">
                 <a:solidFill>
                   <a:srgbClr val="000000"/>
                 </a:solidFill>
@@ -4788,7 +5166,7 @@
               </a:rPr>
               <a:t>Show Real Availability</a:t>
             </a:r>
-            <a:endParaRPr/>
+            <a:endParaRPr dirty="0"/>
           </a:p>
           <a:p>
             <a:pPr lvl="1">
@@ -4800,7 +5178,7 @@
               <a:buChar char=""/>
             </a:pPr>
             <a:r>
-              <a:rPr lang="en-US" sz="2800">
+              <a:rPr lang="en-US" sz="2800" dirty="0">
                 <a:solidFill>
                   <a:srgbClr val="000000"/>
                 </a:solidFill>
@@ -4808,7 +5186,7 @@
               </a:rPr>
               <a:t>Completed</a:t>
             </a:r>
-            <a:endParaRPr/>
+            <a:endParaRPr dirty="0"/>
           </a:p>
           <a:p>
             <a:pPr>
@@ -4819,7 +5197,7 @@
               <a:buChar char="•"/>
             </a:pPr>
             <a:r>
-              <a:rPr lang="en-US" sz="3200">
+              <a:rPr lang="en-US" sz="3200" dirty="0">
                 <a:solidFill>
                   <a:srgbClr val="000000"/>
                 </a:solidFill>
@@ -4827,7 +5205,7 @@
               </a:rPr>
               <a:t>Create New Reservations</a:t>
             </a:r>
-            <a:endParaRPr/>
+            <a:endParaRPr dirty="0"/>
           </a:p>
           <a:p>
             <a:pPr lvl="1">
@@ -4839,7 +5217,7 @@
               <a:buChar char=""/>
             </a:pPr>
             <a:r>
-              <a:rPr lang="en-US" sz="2800">
+              <a:rPr lang="en-US" sz="2800" dirty="0">
                 <a:solidFill>
                   <a:srgbClr val="000000"/>
                 </a:solidFill>
@@ -4847,7 +5225,7 @@
               </a:rPr>
               <a:t>Completed</a:t>
             </a:r>
-            <a:endParaRPr/>
+            <a:endParaRPr dirty="0"/>
           </a:p>
           <a:p>
             <a:pPr>
@@ -4855,17 +5233,20 @@
                 <a:spcPct val="100000"/>
               </a:lnSpc>
             </a:pPr>
-            <a:endParaRPr/>
+            <a:endParaRPr dirty="0"/>
           </a:p>
         </p:txBody>
       </p:sp>
     </p:spTree>
   </p:cSld>
+  <p:clrMapOvr>
+    <a:masterClrMapping/>
+  </p:clrMapOvr>
 </p:sld>
 </file>
 
 <file path=ppt/slides/slide7.xml><?xml version="1.0" encoding="utf-8"?>
-<p:sld xmlns:a="http://schemas.openxmlformats.org/drawingml/2006/main" xmlns:p="http://schemas.openxmlformats.org/presentationml/2006/main" xmlns:r="http://schemas.openxmlformats.org/officeDocument/2006/relationships">
+<p:sld xmlns:a="http://schemas.openxmlformats.org/drawingml/2006/main" xmlns:r="http://schemas.openxmlformats.org/officeDocument/2006/relationships" xmlns:p="http://schemas.openxmlformats.org/presentationml/2006/main">
   <p:cSld>
     <p:spTree>
       <p:nvGrpSpPr>
@@ -4898,6 +5279,7 @@
         </p:spPr>
         <p:txBody>
           <a:bodyPr anchor="ctr"/>
+          <a:lstStyle/>
           <a:p>
             <a:pPr algn="ctr">
               <a:lnSpc>
@@ -4934,6 +5316,7 @@
         </p:spPr>
         <p:txBody>
           <a:bodyPr/>
+          <a:lstStyle/>
           <a:p>
             <a:pPr>
               <a:lnSpc>
@@ -5023,17 +5406,17 @@
             <a:r>
               <a:rPr lang="en-US" sz="2800" u="sng">
                 <a:solidFill>
-                  <a:srgbClr val="0000ff"/>
-                </a:solidFill>
-                <a:latin typeface="Calibri"/>
-                <a:hlinkClick r:id="rId1"/>
+                  <a:srgbClr val="0000FF"/>
+                </a:solidFill>
+                <a:latin typeface="Calibri"/>
+                <a:hlinkClick r:id="rId2"/>
               </a:rPr>
               <a:t>http://</a:t>
             </a:r>
             <a:r>
               <a:rPr lang="en-US" sz="2800" u="sng">
                 <a:solidFill>
-                  <a:srgbClr val="0000ff"/>
+                  <a:srgbClr val="0000FF"/>
                 </a:solidFill>
                 <a:latin typeface="Calibri"/>
                 <a:hlinkClick r:id="rId2"/>
@@ -5074,11 +5457,14 @@
       </p:sp>
     </p:spTree>
   </p:cSld>
+  <p:clrMapOvr>
+    <a:masterClrMapping/>
+  </p:clrMapOvr>
 </p:sld>
 </file>
 
 <file path=ppt/slides/slide8.xml><?xml version="1.0" encoding="utf-8"?>
-<p:sld xmlns:a="http://schemas.openxmlformats.org/drawingml/2006/main" xmlns:p="http://schemas.openxmlformats.org/presentationml/2006/main" xmlns:r="http://schemas.openxmlformats.org/officeDocument/2006/relationships">
+<p:sld xmlns:a="http://schemas.openxmlformats.org/drawingml/2006/main" xmlns:r="http://schemas.openxmlformats.org/officeDocument/2006/relationships" xmlns:p="http://schemas.openxmlformats.org/presentationml/2006/main">
   <p:cSld>
     <p:spTree>
       <p:nvGrpSpPr>
@@ -5111,6 +5497,7 @@
         </p:spPr>
         <p:txBody>
           <a:bodyPr anchor="ctr"/>
+          <a:lstStyle/>
           <a:p>
             <a:pPr algn="ctr">
               <a:lnSpc>
@@ -5118,15 +5505,24 @@
               </a:lnSpc>
             </a:pPr>
             <a:r>
-              <a:rPr lang="en-US" sz="4400">
-                <a:solidFill>
-                  <a:srgbClr val="000000"/>
-                </a:solidFill>
-                <a:latin typeface="Calibri"/>
-              </a:rPr>
-              <a:t>Reservation Form</a:t>
-            </a:r>
-            <a:endParaRPr/>
+              <a:rPr lang="en-US" sz="4400" dirty="0">
+                <a:solidFill>
+                  <a:srgbClr val="000000"/>
+                </a:solidFill>
+                <a:latin typeface="Calibri"/>
+              </a:rPr>
+              <a:t>Reservation </a:t>
+            </a:r>
+            <a:r>
+              <a:rPr lang="en-US" sz="4400" dirty="0" smtClean="0">
+                <a:solidFill>
+                  <a:srgbClr val="000000"/>
+                </a:solidFill>
+                <a:latin typeface="Calibri"/>
+              </a:rPr>
+              <a:t>Form Additions</a:t>
+            </a:r>
+            <a:endParaRPr dirty="0"/>
           </a:p>
         </p:txBody>
       </p:sp>
@@ -5147,29 +5543,27 @@
         </p:spPr>
         <p:txBody>
           <a:bodyPr/>
-          <a:p>
-            <a:r>
-              <a:rPr lang="en-US" sz="2800">
-                <a:solidFill>
-                  <a:srgbClr val="000000"/>
-                </a:solidFill>
-                <a:latin typeface="Calibri"/>
-              </a:rPr>
-              <a:t>Reservation Insertion Form:</a:t>
-            </a:r>
-            <a:endParaRPr/>
-          </a:p>
-          <a:p>
-            <a:r>
-              <a:rPr lang="en-US" sz="2800">
-                <a:solidFill>
-                  <a:srgbClr val="000000"/>
-                </a:solidFill>
-                <a:latin typeface="Calibri"/>
-              </a:rPr>
-              <a:t>Key Features:</a:t>
-            </a:r>
-            <a:endParaRPr/>
+          <a:lstStyle/>
+          <a:p>
+            <a:r>
+              <a:rPr lang="en-US" sz="2800" dirty="0" smtClean="0">
+                <a:solidFill>
+                  <a:srgbClr val="000000"/>
+                </a:solidFill>
+                <a:latin typeface="Calibri"/>
+              </a:rPr>
+              <a:t>Key </a:t>
+            </a:r>
+            <a:r>
+              <a:rPr lang="en-US" sz="2800" dirty="0">
+                <a:solidFill>
+                  <a:srgbClr val="000000"/>
+                </a:solidFill>
+                <a:latin typeface="Calibri"/>
+              </a:rPr>
+              <a:t>Features:</a:t>
+            </a:r>
+            <a:endParaRPr dirty="0"/>
           </a:p>
           <a:p>
             <a:pPr lvl="1">
@@ -5181,7 +5575,7 @@
               <a:buChar char=""/>
             </a:pPr>
             <a:r>
-              <a:rPr lang="en-US" sz="2800">
+              <a:rPr lang="en-US" sz="2800" dirty="0">
                 <a:solidFill>
                   <a:srgbClr val="000000"/>
                 </a:solidFill>
@@ -5189,7 +5583,7 @@
               </a:rPr>
               <a:t>Added pick up information</a:t>
             </a:r>
-            <a:endParaRPr/>
+            <a:endParaRPr dirty="0"/>
           </a:p>
           <a:p>
             <a:pPr lvl="1">
@@ -5201,34 +5595,45 @@
               <a:buChar char=""/>
             </a:pPr>
             <a:r>
-              <a:rPr lang="en-US" sz="2800">
-                <a:solidFill>
-                  <a:srgbClr val="000000"/>
-                </a:solidFill>
-                <a:latin typeface="Calibri"/>
-              </a:rPr>
-              <a:t>Added car assignment code</a:t>
-            </a:r>
-            <a:endParaRPr/>
-          </a:p>
-          <a:p>
-            <a:endParaRPr/>
-          </a:p>
-          <a:p>
-            <a:endParaRPr/>
-          </a:p>
-          <a:p>
-            <a:endParaRPr/>
+              <a:rPr lang="en-US" sz="2800" dirty="0">
+                <a:solidFill>
+                  <a:srgbClr val="000000"/>
+                </a:solidFill>
+                <a:latin typeface="Calibri"/>
+              </a:rPr>
+              <a:t>Added car assignment </a:t>
+            </a:r>
+            <a:r>
+              <a:rPr lang="en-US" sz="2800" dirty="0" smtClean="0">
+                <a:solidFill>
+                  <a:srgbClr val="000000"/>
+                </a:solidFill>
+                <a:latin typeface="Calibri"/>
+              </a:rPr>
+              <a:t>code</a:t>
+            </a:r>
+          </a:p>
+          <a:p>
+            <a:endParaRPr dirty="0"/>
+          </a:p>
+          <a:p>
+            <a:endParaRPr dirty="0"/>
+          </a:p>
+          <a:p>
+            <a:endParaRPr dirty="0"/>
           </a:p>
         </p:txBody>
       </p:sp>
     </p:spTree>
   </p:cSld>
+  <p:clrMapOvr>
+    <a:masterClrMapping/>
+  </p:clrMapOvr>
 </p:sld>
 </file>
 
 <file path=ppt/slides/slide9.xml><?xml version="1.0" encoding="utf-8"?>
-<p:sld xmlns:a="http://schemas.openxmlformats.org/drawingml/2006/main" xmlns:p="http://schemas.openxmlformats.org/presentationml/2006/main" xmlns:r="http://schemas.openxmlformats.org/officeDocument/2006/relationships">
+<p:sld xmlns:a="http://schemas.openxmlformats.org/drawingml/2006/main" xmlns:r="http://schemas.openxmlformats.org/officeDocument/2006/relationships" xmlns:p="http://schemas.openxmlformats.org/presentationml/2006/main">
   <p:cSld>
     <p:spTree>
       <p:nvGrpSpPr>
@@ -5261,6 +5666,7 @@
         </p:spPr>
         <p:txBody>
           <a:bodyPr anchor="ctr"/>
+          <a:lstStyle/>
           <a:p>
             <a:pPr algn="ctr">
               <a:lnSpc>
@@ -5268,7 +5674,7 @@
               </a:lnSpc>
             </a:pPr>
             <a:r>
-              <a:rPr lang="en-US" sz="4400">
+              <a:rPr lang="en-US" sz="4400" dirty="0">
                 <a:solidFill>
                   <a:srgbClr val="000000"/>
                 </a:solidFill>
@@ -5276,7 +5682,7 @@
               </a:rPr>
               <a:t>Reservation Form</a:t>
             </a:r>
-            <a:endParaRPr/>
+            <a:endParaRPr dirty="0"/>
           </a:p>
         </p:txBody>
       </p:sp>
@@ -5297,6 +5703,7 @@
         </p:spPr>
         <p:txBody>
           <a:bodyPr/>
+          <a:lstStyle/>
           <a:p>
             <a:r>
               <a:rPr lang="en-US" sz="2800">
@@ -5393,6 +5800,9 @@
       </p:sp>
     </p:spTree>
   </p:cSld>
+  <p:clrMapOvr>
+    <a:masterClrMapping/>
+  </p:clrMapOvr>
 </p:sld>
 </file>
 
@@ -5616,6 +6026,8 @@
       </a:bgFillStyleLst>
     </a:fmtScheme>
   </a:themeElements>
+  <a:objectDefaults/>
+  <a:extraClrSchemeLst/>
 </a:theme>
 </file>
 
@@ -5839,5 +6251,7 @@
       </a:bgFillStyleLst>
     </a:fmtScheme>
   </a:themeElements>
+  <a:objectDefaults/>
+  <a:extraClrSchemeLst/>
 </a:theme>
 </file>